--- a/The-Mini-Project-Pint-Point.pptx
+++ b/The-Mini-Project-Pint-Point.pptx
@@ -9,8 +9,7 @@
     <p:sldId id="257" r:id="rId3"/>
     <p:sldId id="258" r:id="rId4"/>
     <p:sldId id="259" r:id="rId5"/>
-    <p:sldId id="260" r:id="rId6"/>
-    <p:sldId id="261" r:id="rId7"/>
+    <p:sldId id="261" r:id="rId6"/>
   </p:sldIdLst>
   <p:sldSz cx="12192000" cy="6858000"/>
   <p:notesSz cx="6858000" cy="9144000"/>
@@ -109,6 +108,22 @@
       </a:defRPr>
     </a:lvl9pPr>
   </p:defaultTextStyle>
+  <p:extLst>
+    <p:ext uri="{EFAFB233-063F-42B5-8137-9DF3F51BA10A}">
+      <p15:sldGuideLst xmlns:p15="http://schemas.microsoft.com/office/powerpoint/2012/main">
+        <p15:guide id="1" orient="horz" pos="2160">
+          <p15:clr>
+            <a:srgbClr val="A4A3A4"/>
+          </p15:clr>
+        </p15:guide>
+        <p15:guide id="2" pos="3840">
+          <p15:clr>
+            <a:srgbClr val="A4A3A4"/>
+          </p15:clr>
+        </p15:guide>
+      </p15:sldGuideLst>
+    </p:ext>
+  </p:extLst>
 </p:presentation>
 </file>
 
@@ -12463,7 +12478,8 @@
                 <a:solidFill>
                   <a:schemeClr val="bg1"/>
                 </a:solidFill>
-                <a:latin typeface="Arial Rounded MT Bold" panose="020F0704030504030204" pitchFamily="34" charset="0"/>
+                <a:latin typeface="Times New Roman" panose="02020603050405020304" pitchFamily="18" charset="0"/>
+                <a:cs typeface="Times New Roman" panose="02020603050405020304" pitchFamily="18" charset="0"/>
               </a:rPr>
               <a:t>The-Mini-Project-Pint-Point</a:t>
             </a:r>
@@ -12471,6 +12487,8 @@
               <a:solidFill>
                 <a:schemeClr val="bg1"/>
               </a:solidFill>
+              <a:latin typeface="Times New Roman" panose="02020603050405020304" pitchFamily="18" charset="0"/>
+              <a:cs typeface="Times New Roman" panose="02020603050405020304" pitchFamily="18" charset="0"/>
             </a:endParaRPr>
           </a:p>
         </p:txBody>
@@ -12498,7 +12516,10 @@
           <a:lstStyle/>
           <a:p>
             <a:pPr algn="l"/>
-            <a:endParaRPr lang="ru-RU" dirty="0" smtClean="0"/>
+            <a:endParaRPr lang="ru-RU" dirty="0" smtClean="0">
+              <a:latin typeface="Times New Roman" panose="02020603050405020304" pitchFamily="18" charset="0"/>
+              <a:cs typeface="Times New Roman" panose="02020603050405020304" pitchFamily="18" charset="0"/>
+            </a:endParaRPr>
           </a:p>
           <a:p>
             <a:pPr algn="l"/>
@@ -12507,6 +12528,8 @@
                 <a:solidFill>
                   <a:schemeClr val="bg1"/>
                 </a:solidFill>
+                <a:latin typeface="Times New Roman" panose="02020603050405020304" pitchFamily="18" charset="0"/>
+                <a:cs typeface="Times New Roman" panose="02020603050405020304" pitchFamily="18" charset="0"/>
               </a:rPr>
               <a:t>Авторы</a:t>
             </a:r>
@@ -12515,16 +12538,30 @@
                 <a:solidFill>
                   <a:schemeClr val="bg1"/>
                 </a:solidFill>
+                <a:latin typeface="Times New Roman" panose="02020603050405020304" pitchFamily="18" charset="0"/>
+                <a:cs typeface="Times New Roman" panose="02020603050405020304" pitchFamily="18" charset="0"/>
               </a:rPr>
-              <a:t>: </a:t>
+              <a:t>:</a:t>
             </a:r>
             <a:r>
               <a:rPr lang="ru-RU" sz="4000" dirty="0" smtClean="0">
                 <a:solidFill>
                   <a:schemeClr val="bg1"/>
                 </a:solidFill>
+                <a:latin typeface="Times New Roman" panose="02020603050405020304" pitchFamily="18" charset="0"/>
+                <a:cs typeface="Times New Roman" panose="02020603050405020304" pitchFamily="18" charset="0"/>
               </a:rPr>
-              <a:t>Лозовой Илья</a:t>
+              <a:t>Лозовой </a:t>
+            </a:r>
+            <a:r>
+              <a:rPr lang="ru-RU" sz="4000" dirty="0" smtClean="0">
+                <a:solidFill>
+                  <a:schemeClr val="bg1"/>
+                </a:solidFill>
+                <a:latin typeface="Times New Roman" panose="02020603050405020304" pitchFamily="18" charset="0"/>
+                <a:cs typeface="Times New Roman" panose="02020603050405020304" pitchFamily="18" charset="0"/>
+              </a:rPr>
+              <a:t>Илья</a:t>
             </a:r>
           </a:p>
           <a:p>
@@ -12534,8 +12571,50 @@
                 <a:solidFill>
                   <a:schemeClr val="bg1"/>
                 </a:solidFill>
+                <a:latin typeface="Times New Roman" panose="02020603050405020304" pitchFamily="18" charset="0"/>
+                <a:cs typeface="Times New Roman" panose="02020603050405020304" pitchFamily="18" charset="0"/>
               </a:rPr>
-              <a:t>                Чебыкин Иван</a:t>
+              <a:t>                </a:t>
+            </a:r>
+            <a:r>
+              <a:rPr lang="en-US" sz="4000" dirty="0" smtClean="0">
+                <a:solidFill>
+                  <a:schemeClr val="bg1"/>
+                </a:solidFill>
+                <a:latin typeface="Times New Roman" panose="02020603050405020304" pitchFamily="18" charset="0"/>
+                <a:cs typeface="Times New Roman" panose="02020603050405020304" pitchFamily="18" charset="0"/>
+              </a:rPr>
+              <a:t> </a:t>
+            </a:r>
+            <a:r>
+              <a:rPr lang="ru-RU" sz="4000" dirty="0" err="1" smtClean="0">
+                <a:solidFill>
+                  <a:schemeClr val="bg1"/>
+                </a:solidFill>
+                <a:latin typeface="Times New Roman" panose="02020603050405020304" pitchFamily="18" charset="0"/>
+                <a:cs typeface="Times New Roman" panose="02020603050405020304" pitchFamily="18" charset="0"/>
+              </a:rPr>
+              <a:t>Чебыкин</a:t>
+            </a:r>
+            <a:r>
+              <a:rPr lang="ru-RU" sz="4000" dirty="0" smtClean="0">
+                <a:solidFill>
+                  <a:schemeClr val="bg1"/>
+                </a:solidFill>
+                <a:latin typeface="Times New Roman" panose="02020603050405020304" pitchFamily="18" charset="0"/>
+                <a:cs typeface="Times New Roman" panose="02020603050405020304" pitchFamily="18" charset="0"/>
+              </a:rPr>
+              <a:t> </a:t>
+            </a:r>
+            <a:r>
+              <a:rPr lang="ru-RU" sz="4000" dirty="0" smtClean="0">
+                <a:solidFill>
+                  <a:schemeClr val="bg1"/>
+                </a:solidFill>
+                <a:latin typeface="Times New Roman" panose="02020603050405020304" pitchFamily="18" charset="0"/>
+                <a:cs typeface="Times New Roman" panose="02020603050405020304" pitchFamily="18" charset="0"/>
+              </a:rPr>
+              <a:t>Иван</a:t>
             </a:r>
           </a:p>
         </p:txBody>
@@ -12604,6 +12683,8 @@
                 <a:solidFill>
                   <a:schemeClr val="bg1"/>
                 </a:solidFill>
+                <a:latin typeface="Times New Roman" panose="02020603050405020304" pitchFamily="18" charset="0"/>
+                <a:cs typeface="Times New Roman" panose="02020603050405020304" pitchFamily="18" charset="0"/>
               </a:rPr>
               <a:t>Введение</a:t>
             </a:r>
@@ -12612,6 +12693,8 @@
                 <a:solidFill>
                   <a:schemeClr val="bg1"/>
                 </a:solidFill>
+                <a:latin typeface="Times New Roman" panose="02020603050405020304" pitchFamily="18" charset="0"/>
+                <a:cs typeface="Times New Roman" panose="02020603050405020304" pitchFamily="18" charset="0"/>
               </a:rPr>
               <a:t>:</a:t>
             </a:r>
@@ -12619,6 +12702,8 @@
               <a:solidFill>
                 <a:schemeClr val="bg1"/>
               </a:solidFill>
+              <a:latin typeface="Times New Roman" panose="02020603050405020304" pitchFamily="18" charset="0"/>
+              <a:cs typeface="Times New Roman" panose="02020603050405020304" pitchFamily="18" charset="0"/>
             </a:endParaRPr>
           </a:p>
         </p:txBody>
@@ -12641,18 +12726,17 @@
         </p:spPr>
         <p:txBody>
           <a:bodyPr>
-            <a:normAutofit fontScale="92500" lnSpcReduction="10000"/>
+            <a:normAutofit fontScale="70000" lnSpcReduction="20000"/>
           </a:bodyPr>
           <a:lstStyle/>
           <a:p>
-            <a:pPr marL="0" indent="0">
-              <a:buNone/>
-            </a:pPr>
             <a:r>
               <a:rPr lang="ru-RU" sz="3600" dirty="0" smtClean="0">
                 <a:solidFill>
                   <a:schemeClr val="bg1"/>
                 </a:solidFill>
+                <a:latin typeface="Times New Roman" panose="02020603050405020304" pitchFamily="18" charset="0"/>
+                <a:cs typeface="Times New Roman" panose="02020603050405020304" pitchFamily="18" charset="0"/>
               </a:rPr>
               <a:t>Идея проекта</a:t>
             </a:r>
@@ -12661,6 +12745,8 @@
                 <a:solidFill>
                   <a:schemeClr val="bg1"/>
                 </a:solidFill>
+                <a:latin typeface="Times New Roman" panose="02020603050405020304" pitchFamily="18" charset="0"/>
+                <a:cs typeface="Times New Roman" panose="02020603050405020304" pitchFamily="18" charset="0"/>
               </a:rPr>
               <a:t>:</a:t>
             </a:r>
@@ -12669,6 +12755,8 @@
                 <a:solidFill>
                   <a:schemeClr val="bg1"/>
                 </a:solidFill>
+                <a:latin typeface="Times New Roman" panose="02020603050405020304" pitchFamily="18" charset="0"/>
+                <a:cs typeface="Times New Roman" panose="02020603050405020304" pitchFamily="18" charset="0"/>
               </a:rPr>
               <a:t> Реализовать графическую среду</a:t>
             </a:r>
@@ -12677,6 +12765,8 @@
                 <a:solidFill>
                   <a:schemeClr val="bg1"/>
                 </a:solidFill>
+                <a:latin typeface="Times New Roman" panose="02020603050405020304" pitchFamily="18" charset="0"/>
+                <a:cs typeface="Times New Roman" panose="02020603050405020304" pitchFamily="18" charset="0"/>
               </a:rPr>
               <a:t>,</a:t>
             </a:r>
@@ -12685,6 +12775,8 @@
                 <a:solidFill>
                   <a:schemeClr val="bg1"/>
                 </a:solidFill>
+                <a:latin typeface="Times New Roman" panose="02020603050405020304" pitchFamily="18" charset="0"/>
+                <a:cs typeface="Times New Roman" panose="02020603050405020304" pitchFamily="18" charset="0"/>
               </a:rPr>
               <a:t> для создания рисунков</a:t>
             </a:r>
@@ -12693,6 +12785,8 @@
                 <a:solidFill>
                   <a:schemeClr val="bg1"/>
                 </a:solidFill>
+                <a:latin typeface="Times New Roman" panose="02020603050405020304" pitchFamily="18" charset="0"/>
+                <a:cs typeface="Times New Roman" panose="02020603050405020304" pitchFamily="18" charset="0"/>
               </a:rPr>
               <a:t>.</a:t>
             </a:r>
@@ -12701,6 +12795,8 @@
                 <a:solidFill>
                   <a:schemeClr val="bg1"/>
                 </a:solidFill>
+                <a:latin typeface="Times New Roman" panose="02020603050405020304" pitchFamily="18" charset="0"/>
+                <a:cs typeface="Times New Roman" panose="02020603050405020304" pitchFamily="18" charset="0"/>
               </a:rPr>
               <a:t> Так же для </a:t>
             </a:r>
@@ -12709,6 +12805,8 @@
                 <a:solidFill>
                   <a:schemeClr val="bg1"/>
                 </a:solidFill>
+                <a:latin typeface="Times New Roman" panose="02020603050405020304" pitchFamily="18" charset="0"/>
+                <a:cs typeface="Times New Roman" panose="02020603050405020304" pitchFamily="18" charset="0"/>
               </a:rPr>
               <a:t>тестирования </a:t>
             </a:r>
@@ -12717,6 +12815,8 @@
                 <a:solidFill>
                   <a:schemeClr val="bg1"/>
                 </a:solidFill>
+                <a:latin typeface="Times New Roman" panose="02020603050405020304" pitchFamily="18" charset="0"/>
+                <a:cs typeface="Times New Roman" panose="02020603050405020304" pitchFamily="18" charset="0"/>
               </a:rPr>
               <a:t>pyqt5 </a:t>
             </a:r>
@@ -12725,6 +12825,8 @@
                 <a:solidFill>
                   <a:schemeClr val="bg1"/>
                 </a:solidFill>
+                <a:latin typeface="Times New Roman" panose="02020603050405020304" pitchFamily="18" charset="0"/>
+                <a:cs typeface="Times New Roman" panose="02020603050405020304" pitchFamily="18" charset="0"/>
               </a:rPr>
               <a:t>при создании аналога </a:t>
             </a:r>
@@ -12733,6 +12835,8 @@
                 <a:solidFill>
                   <a:schemeClr val="bg1"/>
                 </a:solidFill>
+                <a:latin typeface="Times New Roman" panose="02020603050405020304" pitchFamily="18" charset="0"/>
+                <a:cs typeface="Times New Roman" panose="02020603050405020304" pitchFamily="18" charset="0"/>
               </a:rPr>
               <a:t>краски</a:t>
             </a:r>
@@ -12741,6 +12845,8 @@
                 <a:solidFill>
                   <a:schemeClr val="bg1"/>
                 </a:solidFill>
+                <a:latin typeface="Times New Roman" panose="02020603050405020304" pitchFamily="18" charset="0"/>
+                <a:cs typeface="Times New Roman" panose="02020603050405020304" pitchFamily="18" charset="0"/>
               </a:rPr>
               <a:t> </a:t>
             </a:r>
@@ -12749,20 +12855,46 @@
                 <a:solidFill>
                   <a:schemeClr val="bg1"/>
                 </a:solidFill>
+                <a:latin typeface="Times New Roman" panose="02020603050405020304" pitchFamily="18" charset="0"/>
+                <a:cs typeface="Times New Roman" panose="02020603050405020304" pitchFamily="18" charset="0"/>
               </a:rPr>
-              <a:t>и холста.</a:t>
+              <a:t>и холста</a:t>
+            </a:r>
+            <a:r>
+              <a:rPr lang="ru-RU" sz="3600" dirty="0" smtClean="0">
+                <a:solidFill>
+                  <a:schemeClr val="bg1"/>
+                </a:solidFill>
+                <a:latin typeface="Times New Roman" panose="02020603050405020304" pitchFamily="18" charset="0"/>
+                <a:cs typeface="Times New Roman" panose="02020603050405020304" pitchFamily="18" charset="0"/>
+              </a:rPr>
+              <a:t>.</a:t>
             </a:r>
             <a:endParaRPr lang="en-US" sz="3600" dirty="0" smtClean="0">
               <a:solidFill>
                 <a:schemeClr val="bg1"/>
               </a:solidFill>
+              <a:latin typeface="Times New Roman" panose="02020603050405020304" pitchFamily="18" charset="0"/>
+              <a:cs typeface="Times New Roman" panose="02020603050405020304" pitchFamily="18" charset="0"/>
             </a:endParaRPr>
           </a:p>
           <a:p>
+            <a:r>
+              <a:rPr lang="ru-RU" sz="3600" dirty="0" smtClean="0">
+                <a:solidFill>
+                  <a:schemeClr val="bg1"/>
+                </a:solidFill>
+                <a:latin typeface="Times New Roman" panose="02020603050405020304" pitchFamily="18" charset="0"/>
+                <a:cs typeface="Times New Roman" panose="02020603050405020304" pitchFamily="18" charset="0"/>
+              </a:rPr>
+              <a:t>Она появилась после того, как мы задумались насколько сложно реализовать простейший графический дизайнер.</a:t>
+            </a:r>
             <a:endParaRPr lang="ru-RU" sz="2800" dirty="0" smtClean="0">
               <a:solidFill>
                 <a:schemeClr val="bg1"/>
               </a:solidFill>
+              <a:latin typeface="Times New Roman" panose="02020603050405020304" pitchFamily="18" charset="0"/>
+              <a:cs typeface="Times New Roman" panose="02020603050405020304" pitchFamily="18" charset="0"/>
             </a:endParaRPr>
           </a:p>
           <a:p>
@@ -12770,6 +12902,8 @@
               <a:solidFill>
                 <a:schemeClr val="bg1"/>
               </a:solidFill>
+              <a:latin typeface="Times New Roman" panose="02020603050405020304" pitchFamily="18" charset="0"/>
+              <a:cs typeface="Times New Roman" panose="02020603050405020304" pitchFamily="18" charset="0"/>
             </a:endParaRPr>
           </a:p>
         </p:txBody>
@@ -12797,7 +12931,7 @@
         </p:blipFill>
         <p:spPr bwMode="auto">
           <a:xfrm>
-            <a:off x="5310130" y="1572202"/>
+            <a:off x="5495697" y="1430535"/>
             <a:ext cx="6088595" cy="4443007"/>
           </a:xfrm>
           <a:prstGeom prst="rect">
@@ -12892,6 +13026,8 @@
                 <a:solidFill>
                   <a:schemeClr val="bg1"/>
                 </a:solidFill>
+                <a:latin typeface="Times New Roman" panose="02020603050405020304" pitchFamily="18" charset="0"/>
+                <a:cs typeface="Times New Roman" panose="02020603050405020304" pitchFamily="18" charset="0"/>
               </a:rPr>
               <a:t>Оборудование</a:t>
             </a:r>
@@ -12899,6 +13035,8 @@
               <a:solidFill>
                 <a:schemeClr val="bg1"/>
               </a:solidFill>
+              <a:latin typeface="Times New Roman" panose="02020603050405020304" pitchFamily="18" charset="0"/>
+              <a:cs typeface="Times New Roman" panose="02020603050405020304" pitchFamily="18" charset="0"/>
             </a:endParaRPr>
           </a:p>
         </p:txBody>
@@ -12933,6 +13071,8 @@
                 <a:solidFill>
                   <a:schemeClr val="bg1"/>
                 </a:solidFill>
+                <a:latin typeface="Times New Roman" panose="02020603050405020304" pitchFamily="18" charset="0"/>
+                <a:cs typeface="Times New Roman" panose="02020603050405020304" pitchFamily="18" charset="0"/>
               </a:rPr>
               <a:t>Оборудование</a:t>
             </a:r>
@@ -12941,6 +13081,8 @@
                 <a:solidFill>
                   <a:schemeClr val="bg1"/>
                 </a:solidFill>
+                <a:latin typeface="Times New Roman" panose="02020603050405020304" pitchFamily="18" charset="0"/>
+                <a:cs typeface="Times New Roman" panose="02020603050405020304" pitchFamily="18" charset="0"/>
               </a:rPr>
               <a:t>:</a:t>
             </a:r>
@@ -12949,6 +13091,8 @@
                 <a:solidFill>
                   <a:schemeClr val="bg1"/>
                 </a:solidFill>
+                <a:latin typeface="Times New Roman" panose="02020603050405020304" pitchFamily="18" charset="0"/>
+                <a:cs typeface="Times New Roman" panose="02020603050405020304" pitchFamily="18" charset="0"/>
               </a:rPr>
             </a:br>
             <a:r>
@@ -12956,6 +13100,8 @@
                 <a:solidFill>
                   <a:schemeClr val="bg1"/>
                 </a:solidFill>
+                <a:latin typeface="Times New Roman" panose="02020603050405020304" pitchFamily="18" charset="0"/>
+                <a:cs typeface="Times New Roman" panose="02020603050405020304" pitchFamily="18" charset="0"/>
               </a:rPr>
               <a:t>Для создания проекта</a:t>
             </a:r>
@@ -12964,6 +13110,8 @@
                 <a:solidFill>
                   <a:schemeClr val="bg1"/>
                 </a:solidFill>
+                <a:latin typeface="Times New Roman" panose="02020603050405020304" pitchFamily="18" charset="0"/>
+                <a:cs typeface="Times New Roman" panose="02020603050405020304" pitchFamily="18" charset="0"/>
               </a:rPr>
               <a:t> </a:t>
             </a:r>
@@ -12972,6 +13120,8 @@
                 <a:solidFill>
                   <a:schemeClr val="bg1"/>
                 </a:solidFill>
+                <a:latin typeface="Times New Roman" panose="02020603050405020304" pitchFamily="18" charset="0"/>
+                <a:cs typeface="Times New Roman" panose="02020603050405020304" pitchFamily="18" charset="0"/>
               </a:rPr>
               <a:t>было </a:t>
             </a:r>
@@ -12980,6 +13130,8 @@
                 <a:solidFill>
                   <a:schemeClr val="bg1"/>
                 </a:solidFill>
+                <a:latin typeface="Times New Roman" panose="02020603050405020304" pitchFamily="18" charset="0"/>
+                <a:cs typeface="Times New Roman" panose="02020603050405020304" pitchFamily="18" charset="0"/>
               </a:rPr>
               <a:t>создано следующее</a:t>
             </a:r>
@@ -12988,6 +13140,8 @@
                 <a:solidFill>
                   <a:schemeClr val="bg1"/>
                 </a:solidFill>
+                <a:latin typeface="Times New Roman" panose="02020603050405020304" pitchFamily="18" charset="0"/>
+                <a:cs typeface="Times New Roman" panose="02020603050405020304" pitchFamily="18" charset="0"/>
               </a:rPr>
               <a:t>:</a:t>
             </a:r>
@@ -12998,6 +13152,8 @@
                 <a:solidFill>
                   <a:schemeClr val="bg1"/>
                 </a:solidFill>
+                <a:latin typeface="Times New Roman" panose="02020603050405020304" pitchFamily="18" charset="0"/>
+                <a:cs typeface="Times New Roman" panose="02020603050405020304" pitchFamily="18" charset="0"/>
               </a:rPr>
               <a:t>icons </a:t>
             </a:r>
@@ -13006,22 +13162,18 @@
                 <a:solidFill>
                   <a:schemeClr val="bg1"/>
                 </a:solidFill>
+                <a:latin typeface="Times New Roman" panose="02020603050405020304" pitchFamily="18" charset="0"/>
+                <a:cs typeface="Times New Roman" panose="02020603050405020304" pitchFamily="18" charset="0"/>
               </a:rPr>
-              <a:t>- </a:t>
-            </a:r>
-            <a:r>
-              <a:rPr lang="ru-RU" sz="2800" dirty="0" smtClean="0">
+              <a:t>- папка </a:t>
+            </a:r>
+            <a:r>
+              <a:rPr lang="ru-RU" sz="2800" dirty="0">
                 <a:solidFill>
                   <a:schemeClr val="bg1"/>
                 </a:solidFill>
-              </a:rPr>
-              <a:t>папка </a:t>
-            </a:r>
-            <a:r>
-              <a:rPr lang="ru-RU" sz="2800" dirty="0">
-                <a:solidFill>
-                  <a:schemeClr val="bg1"/>
-                </a:solidFill>
+                <a:latin typeface="Times New Roman" panose="02020603050405020304" pitchFamily="18" charset="0"/>
+                <a:cs typeface="Times New Roman" panose="02020603050405020304" pitchFamily="18" charset="0"/>
               </a:rPr>
               <a:t>с иконками для </a:t>
             </a:r>
@@ -13030,6 +13182,8 @@
                 <a:solidFill>
                   <a:schemeClr val="bg1"/>
                 </a:solidFill>
+                <a:latin typeface="Times New Roman" panose="02020603050405020304" pitchFamily="18" charset="0"/>
+                <a:cs typeface="Times New Roman" panose="02020603050405020304" pitchFamily="18" charset="0"/>
               </a:rPr>
               <a:t>приложения</a:t>
             </a:r>
@@ -13040,31 +13194,18 @@
                 <a:solidFill>
                   <a:schemeClr val="bg1"/>
                 </a:solidFill>
+                <a:latin typeface="Times New Roman" panose="02020603050405020304" pitchFamily="18" charset="0"/>
+                <a:cs typeface="Times New Roman" panose="02020603050405020304" pitchFamily="18" charset="0"/>
               </a:rPr>
-              <a:t>main.py </a:t>
-            </a:r>
-            <a:r>
-              <a:rPr lang="ru-RU" sz="2800" dirty="0" smtClean="0">
+              <a:t>main.py - основной файл, который запускает программу </a:t>
+            </a:r>
+            <a:r>
+              <a:rPr lang="en-US" sz="2800" b="1" dirty="0" smtClean="0">
                 <a:solidFill>
                   <a:schemeClr val="bg1"/>
                 </a:solidFill>
-              </a:rPr>
-              <a:t>-</a:t>
-            </a:r>
-            <a:r>
-              <a:rPr lang="ru-RU" sz="2800" dirty="0" smtClean="0">
-                <a:solidFill>
-                  <a:schemeClr val="bg1"/>
-                </a:solidFill>
-              </a:rPr>
-              <a:t> основной файл, который запускает программу </a:t>
-            </a:r>
-            <a:r>
-              <a:rPr lang="en-US" sz="2800" b="1" dirty="0" smtClean="0">
-                <a:solidFill>
-                  <a:schemeClr val="bg1"/>
-                </a:solidFill>
-                <a:latin typeface="Arial Rounded MT Bold" panose="020F0704030504030204" pitchFamily="34" charset="0"/>
+                <a:latin typeface="Times New Roman" panose="02020603050405020304" pitchFamily="18" charset="0"/>
+                <a:cs typeface="Times New Roman" panose="02020603050405020304" pitchFamily="18" charset="0"/>
               </a:rPr>
               <a:t>Pint-Point</a:t>
             </a:r>
@@ -13072,6 +13213,8 @@
               <a:solidFill>
                 <a:schemeClr val="bg1"/>
               </a:solidFill>
+              <a:latin typeface="Times New Roman" panose="02020603050405020304" pitchFamily="18" charset="0"/>
+              <a:cs typeface="Times New Roman" panose="02020603050405020304" pitchFamily="18" charset="0"/>
             </a:endParaRPr>
           </a:p>
           <a:p>
@@ -13080,6 +13223,8 @@
                 <a:solidFill>
                   <a:schemeClr val="bg1"/>
                 </a:solidFill>
+                <a:latin typeface="Times New Roman" panose="02020603050405020304" pitchFamily="18" charset="0"/>
+                <a:cs typeface="Times New Roman" panose="02020603050405020304" pitchFamily="18" charset="0"/>
               </a:rPr>
               <a:t>ReadMe.txt </a:t>
             </a:r>
@@ -13088,6 +13233,8 @@
                 <a:solidFill>
                   <a:schemeClr val="bg1"/>
                 </a:solidFill>
+                <a:latin typeface="Times New Roman" panose="02020603050405020304" pitchFamily="18" charset="0"/>
+                <a:cs typeface="Times New Roman" panose="02020603050405020304" pitchFamily="18" charset="0"/>
               </a:rPr>
               <a:t>- файл, содержащий всю </a:t>
             </a:r>
@@ -13096,6 +13243,8 @@
                 <a:solidFill>
                   <a:schemeClr val="bg1"/>
                 </a:solidFill>
+                <a:latin typeface="Times New Roman" panose="02020603050405020304" pitchFamily="18" charset="0"/>
+                <a:cs typeface="Times New Roman" panose="02020603050405020304" pitchFamily="18" charset="0"/>
               </a:rPr>
               <a:t>необходимую для пользователя </a:t>
             </a:r>
@@ -13104,6 +13253,8 @@
                 <a:solidFill>
                   <a:schemeClr val="bg1"/>
                 </a:solidFill>
+                <a:latin typeface="Times New Roman" panose="02020603050405020304" pitchFamily="18" charset="0"/>
+                <a:cs typeface="Times New Roman" panose="02020603050405020304" pitchFamily="18" charset="0"/>
               </a:rPr>
               <a:t>информацию</a:t>
             </a:r>
@@ -13111,6 +13262,8 @@
               <a:solidFill>
                 <a:schemeClr val="bg1"/>
               </a:solidFill>
+              <a:latin typeface="Times New Roman" panose="02020603050405020304" pitchFamily="18" charset="0"/>
+              <a:cs typeface="Times New Roman" panose="02020603050405020304" pitchFamily="18" charset="0"/>
             </a:endParaRPr>
           </a:p>
         </p:txBody>
@@ -13177,6 +13330,8 @@
                 <a:solidFill>
                   <a:schemeClr val="bg1"/>
                 </a:solidFill>
+                <a:latin typeface="Times New Roman" panose="02020603050405020304" pitchFamily="18" charset="0"/>
+                <a:cs typeface="Times New Roman" panose="02020603050405020304" pitchFamily="18" charset="0"/>
               </a:rPr>
               <a:t>Реализация</a:t>
             </a:r>
@@ -13184,6 +13339,8 @@
               <a:solidFill>
                 <a:schemeClr val="bg1"/>
               </a:solidFill>
+              <a:latin typeface="Times New Roman" panose="02020603050405020304" pitchFamily="18" charset="0"/>
+              <a:cs typeface="Times New Roman" panose="02020603050405020304" pitchFamily="18" charset="0"/>
             </a:endParaRPr>
           </a:p>
         </p:txBody>
@@ -13201,12 +13358,12 @@
         <p:spPr>
           <a:xfrm>
             <a:off x="767925" y="1159099"/>
-            <a:ext cx="9905999" cy="5190186"/>
+            <a:ext cx="10488210" cy="2884867"/>
           </a:xfrm>
         </p:spPr>
         <p:txBody>
           <a:bodyPr>
-            <a:normAutofit/>
+            <a:normAutofit fontScale="77500" lnSpcReduction="20000"/>
           </a:bodyPr>
           <a:lstStyle/>
           <a:p>
@@ -13218,6 +13375,8 @@
                 <a:solidFill>
                   <a:schemeClr val="bg1"/>
                 </a:solidFill>
+                <a:latin typeface="Times New Roman" panose="02020603050405020304" pitchFamily="18" charset="0"/>
+                <a:cs typeface="Times New Roman" panose="02020603050405020304" pitchFamily="18" charset="0"/>
               </a:rPr>
               <a:t>Было создано 3 класса</a:t>
             </a:r>
@@ -13226,6 +13385,8 @@
                 <a:solidFill>
                   <a:schemeClr val="bg1"/>
                 </a:solidFill>
+                <a:latin typeface="Times New Roman" panose="02020603050405020304" pitchFamily="18" charset="0"/>
+                <a:cs typeface="Times New Roman" panose="02020603050405020304" pitchFamily="18" charset="0"/>
               </a:rPr>
               <a:t>:</a:t>
             </a:r>
@@ -13233,6 +13394,8 @@
               <a:solidFill>
                 <a:schemeClr val="bg1"/>
               </a:solidFill>
+              <a:latin typeface="Times New Roman" panose="02020603050405020304" pitchFamily="18" charset="0"/>
+              <a:cs typeface="Times New Roman" panose="02020603050405020304" pitchFamily="18" charset="0"/>
             </a:endParaRPr>
           </a:p>
           <a:p>
@@ -13241,6 +13404,8 @@
                 <a:solidFill>
                   <a:schemeClr val="bg1"/>
                 </a:solidFill>
+                <a:latin typeface="Times New Roman" panose="02020603050405020304" pitchFamily="18" charset="0"/>
+                <a:cs typeface="Times New Roman" panose="02020603050405020304" pitchFamily="18" charset="0"/>
               </a:rPr>
               <a:t>Класс </a:t>
             </a:r>
@@ -13249,6 +13414,8 @@
                 <a:solidFill>
                   <a:schemeClr val="bg1"/>
                 </a:solidFill>
+                <a:latin typeface="Times New Roman" panose="02020603050405020304" pitchFamily="18" charset="0"/>
+                <a:cs typeface="Times New Roman" panose="02020603050405020304" pitchFamily="18" charset="0"/>
               </a:rPr>
               <a:t>Window</a:t>
             </a:r>
@@ -13257,6 +13424,8 @@
                 <a:solidFill>
                   <a:schemeClr val="bg1"/>
                 </a:solidFill>
+                <a:latin typeface="Times New Roman" panose="02020603050405020304" pitchFamily="18" charset="0"/>
+                <a:cs typeface="Times New Roman" panose="02020603050405020304" pitchFamily="18" charset="0"/>
               </a:rPr>
               <a:t>_</a:t>
             </a:r>
@@ -13265,6 +13434,8 @@
                 <a:solidFill>
                   <a:schemeClr val="bg1"/>
                 </a:solidFill>
+                <a:latin typeface="Times New Roman" panose="02020603050405020304" pitchFamily="18" charset="0"/>
+                <a:cs typeface="Times New Roman" panose="02020603050405020304" pitchFamily="18" charset="0"/>
               </a:rPr>
               <a:t> - Ответственный за создание</a:t>
             </a:r>
@@ -13273,6 +13444,8 @@
                 <a:solidFill>
                   <a:schemeClr val="bg1"/>
                 </a:solidFill>
+                <a:latin typeface="Times New Roman" panose="02020603050405020304" pitchFamily="18" charset="0"/>
+                <a:cs typeface="Times New Roman" panose="02020603050405020304" pitchFamily="18" charset="0"/>
               </a:rPr>
               <a:t>,</a:t>
             </a:r>
@@ -13281,6 +13454,8 @@
                 <a:solidFill>
                   <a:schemeClr val="bg1"/>
                 </a:solidFill>
+                <a:latin typeface="Times New Roman" panose="02020603050405020304" pitchFamily="18" charset="0"/>
+                <a:cs typeface="Times New Roman" panose="02020603050405020304" pitchFamily="18" charset="0"/>
               </a:rPr>
               <a:t> размещение</a:t>
             </a:r>
@@ -13289,6 +13464,8 @@
                 <a:solidFill>
                   <a:schemeClr val="bg1"/>
                 </a:solidFill>
+                <a:latin typeface="Times New Roman" panose="02020603050405020304" pitchFamily="18" charset="0"/>
+                <a:cs typeface="Times New Roman" panose="02020603050405020304" pitchFamily="18" charset="0"/>
               </a:rPr>
               <a:t>, </a:t>
             </a:r>
@@ -13297,6 +13474,8 @@
                 <a:solidFill>
                   <a:schemeClr val="bg1"/>
                 </a:solidFill>
+                <a:latin typeface="Times New Roman" panose="02020603050405020304" pitchFamily="18" charset="0"/>
+                <a:cs typeface="Times New Roman" panose="02020603050405020304" pitchFamily="18" charset="0"/>
               </a:rPr>
               <a:t>название </a:t>
             </a:r>
@@ -13305,6 +13484,8 @@
                 <a:solidFill>
                   <a:schemeClr val="bg1"/>
                 </a:solidFill>
+                <a:latin typeface="Times New Roman" panose="02020603050405020304" pitchFamily="18" charset="0"/>
+                <a:cs typeface="Times New Roman" panose="02020603050405020304" pitchFamily="18" charset="0"/>
               </a:rPr>
               <a:t>виджетов</a:t>
             </a:r>
@@ -13313,6 +13494,8 @@
                 <a:solidFill>
                   <a:schemeClr val="bg1"/>
                 </a:solidFill>
+                <a:latin typeface="Times New Roman" panose="02020603050405020304" pitchFamily="18" charset="0"/>
+                <a:cs typeface="Times New Roman" panose="02020603050405020304" pitchFamily="18" charset="0"/>
               </a:rPr>
               <a:t> </a:t>
             </a:r>
@@ -13321,6 +13504,8 @@
                 <a:solidFill>
                   <a:schemeClr val="bg1"/>
                 </a:solidFill>
+                <a:latin typeface="Times New Roman" panose="02020603050405020304" pitchFamily="18" charset="0"/>
+                <a:cs typeface="Times New Roman" panose="02020603050405020304" pitchFamily="18" charset="0"/>
               </a:rPr>
               <a:t>,</a:t>
             </a:r>
@@ -13329,6 +13514,8 @@
                 <a:solidFill>
                   <a:schemeClr val="bg1"/>
                 </a:solidFill>
+                <a:latin typeface="Times New Roman" panose="02020603050405020304" pitchFamily="18" charset="0"/>
+                <a:cs typeface="Times New Roman" panose="02020603050405020304" pitchFamily="18" charset="0"/>
               </a:rPr>
               <a:t> а так же за горячие комбинации клавиш</a:t>
             </a:r>
@@ -13337,6 +13524,8 @@
                 <a:solidFill>
                   <a:schemeClr val="bg1"/>
                 </a:solidFill>
+                <a:latin typeface="Times New Roman" panose="02020603050405020304" pitchFamily="18" charset="0"/>
+                <a:cs typeface="Times New Roman" panose="02020603050405020304" pitchFamily="18" charset="0"/>
               </a:rPr>
               <a:t>.</a:t>
             </a:r>
@@ -13345,6 +13534,8 @@
                 <a:solidFill>
                   <a:schemeClr val="bg1"/>
                 </a:solidFill>
+                <a:latin typeface="Times New Roman" panose="02020603050405020304" pitchFamily="18" charset="0"/>
+                <a:cs typeface="Times New Roman" panose="02020603050405020304" pitchFamily="18" charset="0"/>
               </a:rPr>
               <a:t> </a:t>
             </a:r>
@@ -13352,6 +13543,8 @@
               <a:solidFill>
                 <a:schemeClr val="bg1"/>
               </a:solidFill>
+              <a:latin typeface="Times New Roman" panose="02020603050405020304" pitchFamily="18" charset="0"/>
+              <a:cs typeface="Times New Roman" panose="02020603050405020304" pitchFamily="18" charset="0"/>
             </a:endParaRPr>
           </a:p>
           <a:p>
@@ -13360,6 +13553,8 @@
                 <a:solidFill>
                   <a:schemeClr val="bg1"/>
                 </a:solidFill>
+                <a:latin typeface="Times New Roman" panose="02020603050405020304" pitchFamily="18" charset="0"/>
+                <a:cs typeface="Times New Roman" panose="02020603050405020304" pitchFamily="18" charset="0"/>
               </a:rPr>
               <a:t>Класс </a:t>
             </a:r>
@@ -13368,6 +13563,8 @@
                 <a:solidFill>
                   <a:schemeClr val="bg1"/>
                 </a:solidFill>
+                <a:latin typeface="Times New Roman" panose="02020603050405020304" pitchFamily="18" charset="0"/>
+                <a:cs typeface="Times New Roman" panose="02020603050405020304" pitchFamily="18" charset="0"/>
               </a:rPr>
               <a:t>Canvas</a:t>
             </a:r>
@@ -13376,6 +13573,8 @@
                 <a:solidFill>
                   <a:schemeClr val="bg1"/>
                 </a:solidFill>
+                <a:latin typeface="Times New Roman" panose="02020603050405020304" pitchFamily="18" charset="0"/>
+                <a:cs typeface="Times New Roman" panose="02020603050405020304" pitchFamily="18" charset="0"/>
               </a:rPr>
               <a:t> – Скрипт холста отвечающий за Функции для событий (нажатия на клавиши</a:t>
             </a:r>
@@ -13384,6 +13583,8 @@
                 <a:solidFill>
                   <a:schemeClr val="bg1"/>
                 </a:solidFill>
+                <a:latin typeface="Times New Roman" panose="02020603050405020304" pitchFamily="18" charset="0"/>
+                <a:cs typeface="Times New Roman" panose="02020603050405020304" pitchFamily="18" charset="0"/>
               </a:rPr>
               <a:t>, </a:t>
             </a:r>
@@ -13392,6 +13593,8 @@
                 <a:solidFill>
                   <a:schemeClr val="bg1"/>
                 </a:solidFill>
+                <a:latin typeface="Times New Roman" panose="02020603050405020304" pitchFamily="18" charset="0"/>
+                <a:cs typeface="Times New Roman" panose="02020603050405020304" pitchFamily="18" charset="0"/>
               </a:rPr>
               <a:t>кнопки интерфейса)</a:t>
             </a:r>
@@ -13402,6 +13605,8 @@
                 <a:solidFill>
                   <a:schemeClr val="bg1"/>
                 </a:solidFill>
+                <a:latin typeface="Times New Roman" panose="02020603050405020304" pitchFamily="18" charset="0"/>
+                <a:cs typeface="Times New Roman" panose="02020603050405020304" pitchFamily="18" charset="0"/>
               </a:rPr>
               <a:t>Класс </a:t>
             </a:r>
@@ -13410,6 +13615,8 @@
                 <a:solidFill>
                   <a:schemeClr val="bg1"/>
                 </a:solidFill>
+                <a:latin typeface="Times New Roman" panose="02020603050405020304" pitchFamily="18" charset="0"/>
+                <a:cs typeface="Times New Roman" panose="02020603050405020304" pitchFamily="18" charset="0"/>
               </a:rPr>
               <a:t>MainWindow</a:t>
             </a:r>
@@ -13418,6 +13625,8 @@
                 <a:solidFill>
                   <a:schemeClr val="bg1"/>
                 </a:solidFill>
+                <a:latin typeface="Times New Roman" panose="02020603050405020304" pitchFamily="18" charset="0"/>
+                <a:cs typeface="Times New Roman" panose="02020603050405020304" pitchFamily="18" charset="0"/>
               </a:rPr>
               <a:t>- </a:t>
             </a:r>
@@ -13426,6 +13635,8 @@
                 <a:solidFill>
                   <a:schemeClr val="bg1"/>
                 </a:solidFill>
+                <a:latin typeface="Times New Roman" panose="02020603050405020304" pitchFamily="18" charset="0"/>
+                <a:cs typeface="Times New Roman" panose="02020603050405020304" pitchFamily="18" charset="0"/>
               </a:rPr>
               <a:t>Главный собирающий класс включающий в себя классы </a:t>
             </a:r>
@@ -13434,6 +13645,8 @@
                 <a:solidFill>
                   <a:schemeClr val="bg1"/>
                 </a:solidFill>
+                <a:latin typeface="Times New Roman" panose="02020603050405020304" pitchFamily="18" charset="0"/>
+                <a:cs typeface="Times New Roman" panose="02020603050405020304" pitchFamily="18" charset="0"/>
               </a:rPr>
               <a:t>canvas</a:t>
             </a:r>
@@ -13442,6 +13655,8 @@
                 <a:solidFill>
                   <a:schemeClr val="bg1"/>
                 </a:solidFill>
+                <a:latin typeface="Times New Roman" panose="02020603050405020304" pitchFamily="18" charset="0"/>
+                <a:cs typeface="Times New Roman" panose="02020603050405020304" pitchFamily="18" charset="0"/>
               </a:rPr>
               <a:t> и </a:t>
             </a:r>
@@ -13450,6 +13665,8 @@
                 <a:solidFill>
                   <a:schemeClr val="bg1"/>
                 </a:solidFill>
+                <a:latin typeface="Times New Roman" panose="02020603050405020304" pitchFamily="18" charset="0"/>
+                <a:cs typeface="Times New Roman" panose="02020603050405020304" pitchFamily="18" charset="0"/>
               </a:rPr>
               <a:t>window</a:t>
             </a:r>
@@ -13458,6 +13675,8 @@
                 <a:solidFill>
                   <a:schemeClr val="bg1"/>
                 </a:solidFill>
+                <a:latin typeface="Times New Roman" panose="02020603050405020304" pitchFamily="18" charset="0"/>
+                <a:cs typeface="Times New Roman" panose="02020603050405020304" pitchFamily="18" charset="0"/>
               </a:rPr>
               <a:t>_,</a:t>
             </a:r>
@@ -13466,6 +13685,8 @@
                 <a:solidFill>
                   <a:schemeClr val="bg1"/>
                 </a:solidFill>
+                <a:latin typeface="Times New Roman" panose="02020603050405020304" pitchFamily="18" charset="0"/>
+                <a:cs typeface="Times New Roman" panose="02020603050405020304" pitchFamily="18" charset="0"/>
               </a:rPr>
               <a:t> а также </a:t>
             </a:r>
@@ -13474,6 +13695,8 @@
                 <a:solidFill>
                   <a:schemeClr val="bg1"/>
                 </a:solidFill>
+                <a:latin typeface="Times New Roman" panose="02020603050405020304" pitchFamily="18" charset="0"/>
+                <a:cs typeface="Times New Roman" panose="02020603050405020304" pitchFamily="18" charset="0"/>
               </a:rPr>
               <a:t>реализующий их</a:t>
             </a:r>
@@ -13482,14 +13705,354 @@
                 <a:solidFill>
                   <a:schemeClr val="bg1"/>
                 </a:solidFill>
+                <a:latin typeface="Times New Roman" panose="02020603050405020304" pitchFamily="18" charset="0"/>
+                <a:cs typeface="Times New Roman" panose="02020603050405020304" pitchFamily="18" charset="0"/>
               </a:rPr>
               <a:t>.</a:t>
             </a:r>
-            <a:endParaRPr lang="ru-RU" sz="2800" dirty="0">
+            <a:endParaRPr lang="en-US" dirty="0">
               <a:solidFill>
                 <a:schemeClr val="bg1"/>
               </a:solidFill>
+              <a:latin typeface="Times New Roman" panose="02020603050405020304" pitchFamily="18" charset="0"/>
+              <a:cs typeface="Times New Roman" panose="02020603050405020304" pitchFamily="18" charset="0"/>
             </a:endParaRPr>
+          </a:p>
+        </p:txBody>
+      </p:sp>
+      <p:sp>
+        <p:nvSpPr>
+          <p:cNvPr id="4" name="Прямоугольник 3"/>
+          <p:cNvSpPr/>
+          <p:nvPr/>
+        </p:nvSpPr>
+        <p:spPr>
+          <a:xfrm>
+            <a:off x="7001814" y="4245305"/>
+            <a:ext cx="4045597" cy="1200329"/>
+          </a:xfrm>
+          <a:prstGeom prst="rect">
+            <a:avLst/>
+          </a:prstGeom>
+        </p:spPr>
+        <p:txBody>
+          <a:bodyPr wrap="square">
+            <a:spAutoFit/>
+          </a:bodyPr>
+          <a:lstStyle/>
+          <a:p>
+            <a:r>
+              <a:rPr lang="ru-RU" dirty="0">
+                <a:solidFill>
+                  <a:schemeClr val="bg1"/>
+                </a:solidFill>
+                <a:latin typeface="Times New Roman" panose="02020603050405020304" pitchFamily="18" charset="0"/>
+                <a:cs typeface="Times New Roman" panose="02020603050405020304" pitchFamily="18" charset="0"/>
+              </a:rPr>
+              <a:t>Использованные программы</a:t>
+            </a:r>
+            <a:r>
+              <a:rPr lang="en-US" dirty="0">
+                <a:solidFill>
+                  <a:schemeClr val="bg1"/>
+                </a:solidFill>
+                <a:latin typeface="Times New Roman" panose="02020603050405020304" pitchFamily="18" charset="0"/>
+                <a:cs typeface="Times New Roman" panose="02020603050405020304" pitchFamily="18" charset="0"/>
+              </a:rPr>
+              <a:t>:</a:t>
+            </a:r>
+          </a:p>
+          <a:p>
+            <a:r>
+              <a:rPr lang="en-US" dirty="0" err="1">
+                <a:solidFill>
+                  <a:schemeClr val="bg1"/>
+                </a:solidFill>
+                <a:latin typeface="Times New Roman" panose="02020603050405020304" pitchFamily="18" charset="0"/>
+                <a:cs typeface="Times New Roman" panose="02020603050405020304" pitchFamily="18" charset="0"/>
+              </a:rPr>
+              <a:t>JetBrains</a:t>
+            </a:r>
+            <a:r>
+              <a:rPr lang="en-US" dirty="0">
+                <a:solidFill>
+                  <a:schemeClr val="bg1"/>
+                </a:solidFill>
+                <a:latin typeface="Times New Roman" panose="02020603050405020304" pitchFamily="18" charset="0"/>
+                <a:cs typeface="Times New Roman" panose="02020603050405020304" pitchFamily="18" charset="0"/>
+              </a:rPr>
+              <a:t> </a:t>
+            </a:r>
+            <a:r>
+              <a:rPr lang="en-US" dirty="0" err="1">
+                <a:solidFill>
+                  <a:schemeClr val="bg1"/>
+                </a:solidFill>
+                <a:latin typeface="Times New Roman" panose="02020603050405020304" pitchFamily="18" charset="0"/>
+                <a:cs typeface="Times New Roman" panose="02020603050405020304" pitchFamily="18" charset="0"/>
+              </a:rPr>
+              <a:t>Pycharm</a:t>
+            </a:r>
+            <a:endParaRPr lang="en-US" dirty="0">
+              <a:solidFill>
+                <a:schemeClr val="bg1"/>
+              </a:solidFill>
+              <a:latin typeface="Times New Roman" panose="02020603050405020304" pitchFamily="18" charset="0"/>
+              <a:cs typeface="Times New Roman" panose="02020603050405020304" pitchFamily="18" charset="0"/>
+            </a:endParaRPr>
+          </a:p>
+          <a:p>
+            <a:r>
+              <a:rPr lang="en-US" dirty="0">
+                <a:solidFill>
+                  <a:schemeClr val="bg1"/>
+                </a:solidFill>
+                <a:latin typeface="Times New Roman" panose="02020603050405020304" pitchFamily="18" charset="0"/>
+                <a:cs typeface="Times New Roman" panose="02020603050405020304" pitchFamily="18" charset="0"/>
+              </a:rPr>
+              <a:t>Python</a:t>
+            </a:r>
+          </a:p>
+          <a:p>
+            <a:r>
+              <a:rPr lang="en-US" dirty="0" err="1">
+                <a:solidFill>
+                  <a:schemeClr val="bg1"/>
+                </a:solidFill>
+                <a:latin typeface="Times New Roman" panose="02020603050405020304" pitchFamily="18" charset="0"/>
+                <a:cs typeface="Times New Roman" panose="02020603050405020304" pitchFamily="18" charset="0"/>
+              </a:rPr>
+              <a:t>QtDesigner</a:t>
+            </a:r>
+            <a:endParaRPr lang="en-US" dirty="0">
+              <a:solidFill>
+                <a:schemeClr val="bg1"/>
+              </a:solidFill>
+              <a:latin typeface="Times New Roman" panose="02020603050405020304" pitchFamily="18" charset="0"/>
+              <a:cs typeface="Times New Roman" panose="02020603050405020304" pitchFamily="18" charset="0"/>
+            </a:endParaRPr>
+          </a:p>
+        </p:txBody>
+      </p:sp>
+      <p:sp>
+        <p:nvSpPr>
+          <p:cNvPr id="5" name="Прямоугольник 4"/>
+          <p:cNvSpPr/>
+          <p:nvPr/>
+        </p:nvSpPr>
+        <p:spPr>
+          <a:xfrm>
+            <a:off x="767925" y="4245305"/>
+            <a:ext cx="6096000" cy="2308324"/>
+          </a:xfrm>
+          <a:prstGeom prst="rect">
+            <a:avLst/>
+          </a:prstGeom>
+        </p:spPr>
+        <p:txBody>
+          <a:bodyPr>
+            <a:spAutoFit/>
+          </a:bodyPr>
+          <a:lstStyle/>
+          <a:p>
+            <a:r>
+              <a:rPr lang="ru-RU" dirty="0">
+                <a:solidFill>
+                  <a:schemeClr val="bg1"/>
+                </a:solidFill>
+                <a:latin typeface="Times New Roman" panose="02020603050405020304" pitchFamily="18" charset="0"/>
+                <a:cs typeface="Times New Roman" panose="02020603050405020304" pitchFamily="18" charset="0"/>
+              </a:rPr>
+              <a:t>В программу</a:t>
+            </a:r>
+            <a:r>
+              <a:rPr lang="en-US" dirty="0">
+                <a:solidFill>
+                  <a:schemeClr val="bg1"/>
+                </a:solidFill>
+                <a:latin typeface="Times New Roman" panose="02020603050405020304" pitchFamily="18" charset="0"/>
+                <a:cs typeface="Times New Roman" panose="02020603050405020304" pitchFamily="18" charset="0"/>
+              </a:rPr>
+              <a:t> </a:t>
+            </a:r>
+            <a:r>
+              <a:rPr lang="en-US" b="1" dirty="0">
+                <a:solidFill>
+                  <a:schemeClr val="bg1"/>
+                </a:solidFill>
+                <a:latin typeface="Times New Roman" panose="02020603050405020304" pitchFamily="18" charset="0"/>
+                <a:cs typeface="Times New Roman" panose="02020603050405020304" pitchFamily="18" charset="0"/>
+              </a:rPr>
+              <a:t>Pint-Point</a:t>
+            </a:r>
+            <a:r>
+              <a:rPr lang="ru-RU" dirty="0">
+                <a:solidFill>
+                  <a:schemeClr val="bg1"/>
+                </a:solidFill>
+                <a:latin typeface="Times New Roman" panose="02020603050405020304" pitchFamily="18" charset="0"/>
+                <a:cs typeface="Times New Roman" panose="02020603050405020304" pitchFamily="18" charset="0"/>
+              </a:rPr>
+              <a:t> были импортированы следующие </a:t>
+            </a:r>
+            <a:r>
+              <a:rPr lang="ru-RU" b="1" dirty="0">
+                <a:solidFill>
+                  <a:schemeClr val="bg1"/>
+                </a:solidFill>
+                <a:latin typeface="Times New Roman" panose="02020603050405020304" pitchFamily="18" charset="0"/>
+                <a:cs typeface="Times New Roman" panose="02020603050405020304" pitchFamily="18" charset="0"/>
+              </a:rPr>
+              <a:t>библиотеки</a:t>
+            </a:r>
+            <a:r>
+              <a:rPr lang="en-US" dirty="0">
+                <a:solidFill>
+                  <a:schemeClr val="bg1"/>
+                </a:solidFill>
+                <a:latin typeface="Times New Roman" panose="02020603050405020304" pitchFamily="18" charset="0"/>
+                <a:cs typeface="Times New Roman" panose="02020603050405020304" pitchFamily="18" charset="0"/>
+              </a:rPr>
+              <a:t>:</a:t>
+            </a:r>
+            <a:endParaRPr lang="ru-RU" dirty="0">
+              <a:solidFill>
+                <a:schemeClr val="bg1"/>
+              </a:solidFill>
+              <a:latin typeface="Times New Roman" panose="02020603050405020304" pitchFamily="18" charset="0"/>
+              <a:cs typeface="Times New Roman" panose="02020603050405020304" pitchFamily="18" charset="0"/>
+            </a:endParaRPr>
+          </a:p>
+          <a:p>
+            <a:pPr marL="285750" indent="-285750">
+              <a:buFont typeface="Arial" panose="020B0604020202020204" pitchFamily="34" charset="0"/>
+              <a:buChar char="•"/>
+            </a:pPr>
+            <a:r>
+              <a:rPr lang="en-US" dirty="0" smtClean="0">
+                <a:solidFill>
+                  <a:schemeClr val="bg1"/>
+                </a:solidFill>
+                <a:latin typeface="Times New Roman" panose="02020603050405020304" pitchFamily="18" charset="0"/>
+                <a:cs typeface="Times New Roman" panose="02020603050405020304" pitchFamily="18" charset="0"/>
+              </a:rPr>
+              <a:t>PyQt5</a:t>
+            </a:r>
+            <a:endParaRPr lang="ru-RU" dirty="0" smtClean="0">
+              <a:solidFill>
+                <a:schemeClr val="bg1"/>
+              </a:solidFill>
+              <a:latin typeface="Times New Roman" panose="02020603050405020304" pitchFamily="18" charset="0"/>
+              <a:cs typeface="Times New Roman" panose="02020603050405020304" pitchFamily="18" charset="0"/>
+            </a:endParaRPr>
+          </a:p>
+          <a:p>
+            <a:pPr marL="742950" lvl="1" indent="-285750">
+              <a:buFont typeface="Arial" panose="020B0604020202020204" pitchFamily="34" charset="0"/>
+              <a:buChar char="•"/>
+            </a:pPr>
+            <a:r>
+              <a:rPr lang="en-US" dirty="0" err="1" smtClean="0">
+                <a:solidFill>
+                  <a:schemeClr val="bg1"/>
+                </a:solidFill>
+                <a:latin typeface="Times New Roman" panose="02020603050405020304" pitchFamily="18" charset="0"/>
+                <a:cs typeface="Times New Roman" panose="02020603050405020304" pitchFamily="18" charset="0"/>
+              </a:rPr>
+              <a:t>QtCore</a:t>
+            </a:r>
+            <a:endParaRPr lang="en-US" dirty="0" smtClean="0">
+              <a:solidFill>
+                <a:schemeClr val="bg1"/>
+              </a:solidFill>
+              <a:latin typeface="Times New Roman" panose="02020603050405020304" pitchFamily="18" charset="0"/>
+              <a:cs typeface="Times New Roman" panose="02020603050405020304" pitchFamily="18" charset="0"/>
+            </a:endParaRPr>
+          </a:p>
+          <a:p>
+            <a:pPr marL="742950" lvl="1" indent="-285750">
+              <a:buFont typeface="Arial" panose="020B0604020202020204" pitchFamily="34" charset="0"/>
+              <a:buChar char="•"/>
+            </a:pPr>
+            <a:r>
+              <a:rPr lang="en-US" dirty="0" err="1" smtClean="0">
+                <a:solidFill>
+                  <a:schemeClr val="bg1"/>
+                </a:solidFill>
+                <a:latin typeface="Times New Roman" panose="02020603050405020304" pitchFamily="18" charset="0"/>
+                <a:cs typeface="Times New Roman" panose="02020603050405020304" pitchFamily="18" charset="0"/>
+              </a:rPr>
+              <a:t>QtGui</a:t>
+            </a:r>
+            <a:endParaRPr lang="en-US" dirty="0" smtClean="0">
+              <a:solidFill>
+                <a:schemeClr val="bg1"/>
+              </a:solidFill>
+              <a:latin typeface="Times New Roman" panose="02020603050405020304" pitchFamily="18" charset="0"/>
+              <a:cs typeface="Times New Roman" panose="02020603050405020304" pitchFamily="18" charset="0"/>
+            </a:endParaRPr>
+          </a:p>
+          <a:p>
+            <a:pPr marL="742950" lvl="1" indent="-285750">
+              <a:buFont typeface="Arial" panose="020B0604020202020204" pitchFamily="34" charset="0"/>
+              <a:buChar char="•"/>
+            </a:pPr>
+            <a:r>
+              <a:rPr lang="en-US" dirty="0" err="1" smtClean="0">
+                <a:solidFill>
+                  <a:schemeClr val="bg1"/>
+                </a:solidFill>
+                <a:latin typeface="Times New Roman" panose="02020603050405020304" pitchFamily="18" charset="0"/>
+                <a:cs typeface="Times New Roman" panose="02020603050405020304" pitchFamily="18" charset="0"/>
+              </a:rPr>
+              <a:t>QtWidjets</a:t>
+            </a:r>
+            <a:endParaRPr lang="en-US" dirty="0" smtClean="0">
+              <a:solidFill>
+                <a:schemeClr val="bg1"/>
+              </a:solidFill>
+              <a:latin typeface="Times New Roman" panose="02020603050405020304" pitchFamily="18" charset="0"/>
+              <a:cs typeface="Times New Roman" panose="02020603050405020304" pitchFamily="18" charset="0"/>
+            </a:endParaRPr>
+          </a:p>
+          <a:p>
+            <a:pPr marL="285750" indent="-285750">
+              <a:buFont typeface="Arial" panose="020B0604020202020204" pitchFamily="34" charset="0"/>
+              <a:buChar char="•"/>
+            </a:pPr>
+            <a:r>
+              <a:rPr lang="en-US" dirty="0" smtClean="0">
+                <a:solidFill>
+                  <a:schemeClr val="bg1"/>
+                </a:solidFill>
+                <a:latin typeface="Times New Roman" panose="02020603050405020304" pitchFamily="18" charset="0"/>
+                <a:cs typeface="Times New Roman" panose="02020603050405020304" pitchFamily="18" charset="0"/>
+              </a:rPr>
+              <a:t>Random</a:t>
+            </a:r>
+            <a:endParaRPr lang="en-US" dirty="0">
+              <a:solidFill>
+                <a:schemeClr val="bg1"/>
+              </a:solidFill>
+              <a:latin typeface="Times New Roman" panose="02020603050405020304" pitchFamily="18" charset="0"/>
+              <a:cs typeface="Times New Roman" panose="02020603050405020304" pitchFamily="18" charset="0"/>
+            </a:endParaRPr>
+          </a:p>
+          <a:p>
+            <a:pPr marL="285750" indent="-285750">
+              <a:buFont typeface="Arial" panose="020B0604020202020204" pitchFamily="34" charset="0"/>
+              <a:buChar char="•"/>
+            </a:pPr>
+            <a:r>
+              <a:rPr lang="en-US" dirty="0">
+                <a:solidFill>
+                  <a:schemeClr val="bg1"/>
+                </a:solidFill>
+                <a:latin typeface="Times New Roman" panose="02020603050405020304" pitchFamily="18" charset="0"/>
+                <a:cs typeface="Times New Roman" panose="02020603050405020304" pitchFamily="18" charset="0"/>
+              </a:rPr>
+              <a:t>System</a:t>
+            </a:r>
           </a:p>
         </p:txBody>
       </p:sp>
@@ -13503,324 +14066,17 @@
   <p:clrMapOvr>
     <a:masterClrMapping/>
   </p:clrMapOvr>
+  <p:timing>
+    <p:tnLst>
+      <p:par>
+        <p:cTn id="1" dur="indefinite" restart="never" nodeType="tmRoot"/>
+      </p:par>
+    </p:tnLst>
+  </p:timing>
 </p:sld>
 </file>
 
 <file path=ppt/slides/slide5.xml><?xml version="1.0" encoding="utf-8"?>
-<p:sld xmlns:a="http://schemas.openxmlformats.org/drawingml/2006/main" xmlns:r="http://schemas.openxmlformats.org/officeDocument/2006/relationships" xmlns:p="http://schemas.openxmlformats.org/presentationml/2006/main">
-  <p:cSld>
-    <p:spTree>
-      <p:nvGrpSpPr>
-        <p:cNvPr id="1" name=""/>
-        <p:cNvGrpSpPr/>
-        <p:nvPr/>
-      </p:nvGrpSpPr>
-      <p:grpSpPr>
-        <a:xfrm>
-          <a:off x="0" y="0"/>
-          <a:ext cx="0" cy="0"/>
-          <a:chOff x="0" y="0"/>
-          <a:chExt cx="0" cy="0"/>
-        </a:xfrm>
-      </p:grpSpPr>
-      <p:sp>
-        <p:nvSpPr>
-          <p:cNvPr id="2" name="Заголовок 1"/>
-          <p:cNvSpPr>
-            <a:spLocks noGrp="1"/>
-          </p:cNvSpPr>
-          <p:nvPr>
-            <p:ph type="title"/>
-          </p:nvPr>
-        </p:nvSpPr>
-        <p:spPr>
-          <a:xfrm>
-            <a:off x="1141413" y="144168"/>
-            <a:ext cx="9905998" cy="1478570"/>
-          </a:xfrm>
-        </p:spPr>
-        <p:txBody>
-          <a:bodyPr/>
-          <a:lstStyle/>
-          <a:p>
-            <a:r>
-              <a:rPr lang="ru-RU" dirty="0" smtClean="0">
-                <a:solidFill>
-                  <a:schemeClr val="bg1"/>
-                </a:solidFill>
-              </a:rPr>
-              <a:t>Технологии</a:t>
-            </a:r>
-            <a:endParaRPr lang="ru-RU" dirty="0">
-              <a:solidFill>
-                <a:schemeClr val="bg1"/>
-              </a:solidFill>
-            </a:endParaRPr>
-          </a:p>
-        </p:txBody>
-      </p:sp>
-      <p:sp>
-        <p:nvSpPr>
-          <p:cNvPr id="3" name="Объект 2"/>
-          <p:cNvSpPr>
-            <a:spLocks noGrp="1"/>
-          </p:cNvSpPr>
-          <p:nvPr>
-            <p:ph idx="1"/>
-          </p:nvPr>
-        </p:nvSpPr>
-        <p:spPr>
-          <a:xfrm>
-            <a:off x="1141412" y="1622738"/>
-            <a:ext cx="9905999" cy="4168463"/>
-          </a:xfrm>
-        </p:spPr>
-        <p:txBody>
-          <a:bodyPr>
-            <a:normAutofit lnSpcReduction="10000"/>
-          </a:bodyPr>
-          <a:lstStyle/>
-          <a:p>
-            <a:pPr marL="0" indent="0">
-              <a:buNone/>
-            </a:pPr>
-            <a:r>
-              <a:rPr lang="ru-RU" dirty="0" smtClean="0">
-                <a:solidFill>
-                  <a:schemeClr val="bg1"/>
-                </a:solidFill>
-              </a:rPr>
-              <a:t>В программу</a:t>
-            </a:r>
-            <a:r>
-              <a:rPr lang="en-US" dirty="0" smtClean="0">
-                <a:solidFill>
-                  <a:schemeClr val="bg1"/>
-                </a:solidFill>
-              </a:rPr>
-              <a:t> </a:t>
-            </a:r>
-            <a:r>
-              <a:rPr lang="en-US" b="1" dirty="0" smtClean="0">
-                <a:solidFill>
-                  <a:schemeClr val="bg1"/>
-                </a:solidFill>
-                <a:latin typeface="Arial Rounded MT Bold" panose="020F0704030504030204" pitchFamily="34" charset="0"/>
-              </a:rPr>
-              <a:t>Pint-Point</a:t>
-            </a:r>
-            <a:r>
-              <a:rPr lang="ru-RU" dirty="0" smtClean="0">
-                <a:solidFill>
-                  <a:schemeClr val="bg1"/>
-                </a:solidFill>
-              </a:rPr>
-              <a:t> были импортированы следующие библиотеки</a:t>
-            </a:r>
-            <a:r>
-              <a:rPr lang="en-US" dirty="0" smtClean="0">
-                <a:solidFill>
-                  <a:schemeClr val="bg1"/>
-                </a:solidFill>
-              </a:rPr>
-              <a:t>:</a:t>
-            </a:r>
-          </a:p>
-          <a:p>
-            <a:r>
-              <a:rPr lang="en-US" dirty="0" err="1" smtClean="0">
-                <a:solidFill>
-                  <a:schemeClr val="bg1"/>
-                </a:solidFill>
-              </a:rPr>
-              <a:t>QtCore</a:t>
-            </a:r>
-            <a:r>
-              <a:rPr lang="ru-RU" dirty="0" smtClean="0">
-                <a:solidFill>
-                  <a:schemeClr val="bg1"/>
-                </a:solidFill>
-              </a:rPr>
-              <a:t>- Модуль</a:t>
-            </a:r>
-            <a:r>
-              <a:rPr lang="en-US" dirty="0" smtClean="0">
-                <a:solidFill>
-                  <a:schemeClr val="bg1"/>
-                </a:solidFill>
-              </a:rPr>
-              <a:t>,</a:t>
-            </a:r>
-            <a:r>
-              <a:rPr lang="ru-RU" dirty="0" smtClean="0">
-                <a:solidFill>
-                  <a:schemeClr val="bg1"/>
-                </a:solidFill>
-              </a:rPr>
-              <a:t> содержащий </a:t>
-            </a:r>
-            <a:r>
-              <a:rPr lang="ru-RU" dirty="0">
-                <a:solidFill>
-                  <a:schemeClr val="bg1"/>
-                </a:solidFill>
-              </a:rPr>
-              <a:t>основные классы, в том числе цикл </a:t>
-            </a:r>
-            <a:r>
-              <a:rPr lang="ru-RU" dirty="0" smtClean="0">
-                <a:solidFill>
-                  <a:schemeClr val="bg1"/>
-                </a:solidFill>
-              </a:rPr>
-              <a:t>событий, механизм сигналов и слотов </a:t>
-            </a:r>
-            <a:r>
-              <a:rPr lang="ru-RU" dirty="0" err="1" smtClean="0">
-                <a:solidFill>
-                  <a:schemeClr val="bg1"/>
-                </a:solidFill>
-              </a:rPr>
-              <a:t>Qt</a:t>
-            </a:r>
-            <a:r>
-              <a:rPr lang="en-US" dirty="0" smtClean="0">
-                <a:solidFill>
-                  <a:schemeClr val="bg1"/>
-                </a:solidFill>
-              </a:rPr>
-              <a:t>.</a:t>
-            </a:r>
-          </a:p>
-          <a:p>
-            <a:r>
-              <a:rPr lang="en-US" dirty="0" err="1" smtClean="0">
-                <a:solidFill>
-                  <a:schemeClr val="bg1"/>
-                </a:solidFill>
-              </a:rPr>
-              <a:t>QtGui</a:t>
-            </a:r>
-            <a:r>
-              <a:rPr lang="en-US" dirty="0" smtClean="0">
-                <a:solidFill>
-                  <a:schemeClr val="bg1"/>
-                </a:solidFill>
-              </a:rPr>
-              <a:t>- </a:t>
-            </a:r>
-            <a:r>
-              <a:rPr lang="ru-RU" dirty="0">
-                <a:solidFill>
-                  <a:schemeClr val="bg1"/>
-                </a:solidFill>
-              </a:rPr>
-              <a:t>Модуль содержит классы для </a:t>
-            </a:r>
-            <a:r>
-              <a:rPr lang="ru-RU" dirty="0" smtClean="0">
-                <a:solidFill>
-                  <a:schemeClr val="bg1"/>
-                </a:solidFill>
-              </a:rPr>
-              <a:t>оконного</a:t>
-            </a:r>
-            <a:r>
-              <a:rPr lang="en-US" dirty="0" smtClean="0">
-                <a:solidFill>
-                  <a:schemeClr val="bg1"/>
-                </a:solidFill>
-              </a:rPr>
-              <a:t> </a:t>
-            </a:r>
-            <a:r>
-              <a:rPr lang="ru-RU" dirty="0" smtClean="0">
-                <a:solidFill>
-                  <a:schemeClr val="bg1"/>
-                </a:solidFill>
-              </a:rPr>
-              <a:t>отображения </a:t>
-            </a:r>
-            <a:r>
-              <a:rPr lang="ru-RU" dirty="0">
-                <a:solidFill>
-                  <a:schemeClr val="bg1"/>
-                </a:solidFill>
-              </a:rPr>
-              <a:t>системной интеграции, обработки событий, </a:t>
-            </a:r>
-            <a:r>
-              <a:rPr lang="ru-RU" dirty="0" smtClean="0">
-                <a:solidFill>
-                  <a:schemeClr val="bg1"/>
-                </a:solidFill>
-              </a:rPr>
-              <a:t>2D</a:t>
-            </a:r>
-            <a:r>
-              <a:rPr lang="en-US" dirty="0" smtClean="0">
-                <a:solidFill>
-                  <a:schemeClr val="bg1"/>
-                </a:solidFill>
-              </a:rPr>
-              <a:t>.</a:t>
-            </a:r>
-          </a:p>
-          <a:p>
-            <a:r>
-              <a:rPr lang="en-US" dirty="0" err="1" smtClean="0">
-                <a:solidFill>
-                  <a:schemeClr val="bg1"/>
-                </a:solidFill>
-              </a:rPr>
-              <a:t>QtWidgets</a:t>
-            </a:r>
-            <a:r>
-              <a:rPr lang="ru-RU" dirty="0" smtClean="0">
-                <a:solidFill>
-                  <a:schemeClr val="bg1"/>
-                </a:solidFill>
-              </a:rPr>
-              <a:t> - Модуль </a:t>
-            </a:r>
-            <a:r>
-              <a:rPr lang="ru-RU" dirty="0">
-                <a:solidFill>
-                  <a:schemeClr val="bg1"/>
-                </a:solidFill>
-              </a:rPr>
-              <a:t>содержит классы , которые обеспечивают набор элементов пользовательского интерфейса для создания классических пользовательских </a:t>
-            </a:r>
-            <a:r>
-              <a:rPr lang="ru-RU" dirty="0" smtClean="0">
-                <a:solidFill>
-                  <a:schemeClr val="bg1"/>
-                </a:solidFill>
-              </a:rPr>
-              <a:t>интерфейсов.</a:t>
-            </a:r>
-            <a:endParaRPr lang="ru-RU" dirty="0">
-              <a:solidFill>
-                <a:schemeClr val="bg1"/>
-              </a:solidFill>
-            </a:endParaRPr>
-          </a:p>
-        </p:txBody>
-      </p:sp>
-    </p:spTree>
-    <p:extLst>
-      <p:ext uri="{BB962C8B-B14F-4D97-AF65-F5344CB8AC3E}">
-        <p14:creationId xmlns:p14="http://schemas.microsoft.com/office/powerpoint/2010/main" val="160863194"/>
-      </p:ext>
-    </p:extLst>
-  </p:cSld>
-  <p:clrMapOvr>
-    <a:masterClrMapping/>
-  </p:clrMapOvr>
-</p:sld>
-</file>
-
-<file path=ppt/slides/slide6.xml><?xml version="1.0" encoding="utf-8"?>
 <p:sld xmlns:a="http://schemas.openxmlformats.org/drawingml/2006/main" xmlns:r="http://schemas.openxmlformats.org/officeDocument/2006/relationships" xmlns:p="http://schemas.openxmlformats.org/presentationml/2006/main">
   <p:cSld>
     <p:spTree>
@@ -13862,6 +14118,8 @@
                 <a:solidFill>
                   <a:schemeClr val="bg1"/>
                 </a:solidFill>
+                <a:latin typeface="Times New Roman" panose="02020603050405020304" pitchFamily="18" charset="0"/>
+                <a:cs typeface="Times New Roman" panose="02020603050405020304" pitchFamily="18" charset="0"/>
               </a:rPr>
               <a:t>Вывод</a:t>
             </a:r>
@@ -13870,6 +14128,8 @@
                 <a:solidFill>
                   <a:schemeClr val="bg1"/>
                 </a:solidFill>
+                <a:latin typeface="Times New Roman" panose="02020603050405020304" pitchFamily="18" charset="0"/>
+                <a:cs typeface="Times New Roman" panose="02020603050405020304" pitchFamily="18" charset="0"/>
               </a:rPr>
               <a:t>:</a:t>
             </a:r>
@@ -13877,6 +14137,8 @@
               <a:solidFill>
                 <a:schemeClr val="bg1"/>
               </a:solidFill>
+              <a:latin typeface="Times New Roman" panose="02020603050405020304" pitchFamily="18" charset="0"/>
+              <a:cs typeface="Times New Roman" panose="02020603050405020304" pitchFamily="18" charset="0"/>
             </a:endParaRPr>
           </a:p>
         </p:txBody>
@@ -13899,7 +14161,7 @@
         </p:spPr>
         <p:txBody>
           <a:bodyPr>
-            <a:normAutofit fontScale="77500" lnSpcReduction="20000"/>
+            <a:normAutofit fontScale="55000" lnSpcReduction="20000"/>
           </a:bodyPr>
           <a:lstStyle/>
           <a:p>
@@ -13911,30 +14173,18 @@
                 <a:solidFill>
                   <a:schemeClr val="bg1"/>
                 </a:solidFill>
+                <a:latin typeface="Times New Roman" panose="02020603050405020304" pitchFamily="18" charset="0"/>
+                <a:cs typeface="Times New Roman" panose="02020603050405020304" pitchFamily="18" charset="0"/>
               </a:rPr>
-              <a:t>Таким образом, нам удалось реализовать идею проекта и создать свой </a:t>
-            </a:r>
-            <a:r>
-              <a:rPr lang="ru-RU" sz="2800" dirty="0" smtClean="0">
+              <a:t>Таким образом, нам удалось реализовать идею проекта и создать свой вариант графического редактора </a:t>
+            </a:r>
+            <a:r>
+              <a:rPr lang="en-US" sz="2800" dirty="0" smtClean="0">
                 <a:solidFill>
                   <a:schemeClr val="bg1"/>
                 </a:solidFill>
-              </a:rPr>
-              <a:t>вариант </a:t>
-            </a:r>
-            <a:r>
-              <a:rPr lang="ru-RU" sz="2800" dirty="0" smtClean="0">
-                <a:solidFill>
-                  <a:schemeClr val="bg1"/>
-                </a:solidFill>
-              </a:rPr>
-              <a:t>графического редактора </a:t>
-            </a:r>
-            <a:r>
-              <a:rPr lang="en-US" sz="2800" dirty="0" smtClean="0">
-                <a:solidFill>
-                  <a:schemeClr val="bg1"/>
-                </a:solidFill>
+                <a:latin typeface="Times New Roman" panose="02020603050405020304" pitchFamily="18" charset="0"/>
+                <a:cs typeface="Times New Roman" panose="02020603050405020304" pitchFamily="18" charset="0"/>
               </a:rPr>
               <a:t>paint</a:t>
             </a:r>
@@ -13943,6 +14193,8 @@
                 <a:solidFill>
                   <a:schemeClr val="bg1"/>
                 </a:solidFill>
+                <a:latin typeface="Times New Roman" panose="02020603050405020304" pitchFamily="18" charset="0"/>
+                <a:cs typeface="Times New Roman" panose="02020603050405020304" pitchFamily="18" charset="0"/>
               </a:rPr>
               <a:t> </a:t>
             </a:r>
@@ -13951,6 +14203,8 @@
                 <a:solidFill>
                   <a:schemeClr val="bg1"/>
                 </a:solidFill>
+                <a:latin typeface="Times New Roman" panose="02020603050405020304" pitchFamily="18" charset="0"/>
+                <a:cs typeface="Times New Roman" panose="02020603050405020304" pitchFamily="18" charset="0"/>
               </a:rPr>
               <a:t>на базе прикладной библиотеки </a:t>
             </a:r>
@@ -13959,6 +14213,8 @@
                 <a:solidFill>
                   <a:schemeClr val="bg1"/>
                 </a:solidFill>
+                <a:latin typeface="Times New Roman" panose="02020603050405020304" pitchFamily="18" charset="0"/>
+                <a:cs typeface="Times New Roman" panose="02020603050405020304" pitchFamily="18" charset="0"/>
               </a:rPr>
               <a:t>PyQt5</a:t>
             </a:r>
@@ -13967,6 +14223,8 @@
                 <a:solidFill>
                   <a:schemeClr val="bg1"/>
                 </a:solidFill>
+                <a:latin typeface="Times New Roman" panose="02020603050405020304" pitchFamily="18" charset="0"/>
+                <a:cs typeface="Times New Roman" panose="02020603050405020304" pitchFamily="18" charset="0"/>
               </a:rPr>
               <a:t> и языка </a:t>
             </a:r>
@@ -13975,6 +14233,8 @@
                 <a:solidFill>
                   <a:schemeClr val="bg1"/>
                 </a:solidFill>
+                <a:latin typeface="Times New Roman" panose="02020603050405020304" pitchFamily="18" charset="0"/>
+                <a:cs typeface="Times New Roman" panose="02020603050405020304" pitchFamily="18" charset="0"/>
               </a:rPr>
               <a:t>python</a:t>
             </a:r>
@@ -13983,40 +14243,393 @@
                 <a:solidFill>
                   <a:schemeClr val="bg1"/>
                 </a:solidFill>
+                <a:latin typeface="Times New Roman" panose="02020603050405020304" pitchFamily="18" charset="0"/>
+                <a:cs typeface="Times New Roman" panose="02020603050405020304" pitchFamily="18" charset="0"/>
               </a:rPr>
               <a:t>.</a:t>
+            </a:r>
+          </a:p>
+          <a:p>
+            <a:pPr marL="0" indent="0">
+              <a:buNone/>
+            </a:pPr>
+            <a:r>
+              <a:rPr lang="ru-RU" sz="2800" dirty="0">
+                <a:solidFill>
+                  <a:schemeClr val="bg1"/>
+                </a:solidFill>
+                <a:latin typeface="Times New Roman" panose="02020603050405020304" pitchFamily="18" charset="0"/>
+                <a:cs typeface="Times New Roman" panose="02020603050405020304" pitchFamily="18" charset="0"/>
+              </a:rPr>
+              <a:t>Плюсы: </a:t>
+            </a:r>
+            <a:endParaRPr lang="en-US" sz="2800" dirty="0" smtClean="0">
+              <a:solidFill>
+                <a:schemeClr val="bg1"/>
+              </a:solidFill>
+              <a:latin typeface="Times New Roman" panose="02020603050405020304" pitchFamily="18" charset="0"/>
+              <a:cs typeface="Times New Roman" panose="02020603050405020304" pitchFamily="18" charset="0"/>
+            </a:endParaRPr>
+          </a:p>
+          <a:p>
+            <a:r>
+              <a:rPr lang="ru-RU" sz="2800" dirty="0" smtClean="0">
+                <a:solidFill>
+                  <a:schemeClr val="bg1"/>
+                </a:solidFill>
+                <a:latin typeface="Times New Roman" panose="02020603050405020304" pitchFamily="18" charset="0"/>
+                <a:cs typeface="Times New Roman" panose="02020603050405020304" pitchFamily="18" charset="0"/>
+              </a:rPr>
+              <a:t>Рисование </a:t>
+            </a:r>
+            <a:r>
+              <a:rPr lang="ru-RU" sz="2800" dirty="0">
+                <a:solidFill>
+                  <a:schemeClr val="bg1"/>
+                </a:solidFill>
+                <a:latin typeface="Times New Roman" panose="02020603050405020304" pitchFamily="18" charset="0"/>
+                <a:cs typeface="Times New Roman" panose="02020603050405020304" pitchFamily="18" charset="0"/>
+              </a:rPr>
+              <a:t>(Геометрический фигур, кисточкой, баллончиком(в том числе изменять цвет и размер)) </a:t>
+            </a:r>
+            <a:endParaRPr lang="en-US" sz="2800" dirty="0" smtClean="0">
+              <a:solidFill>
+                <a:schemeClr val="bg1"/>
+              </a:solidFill>
+              <a:latin typeface="Times New Roman" panose="02020603050405020304" pitchFamily="18" charset="0"/>
+              <a:cs typeface="Times New Roman" panose="02020603050405020304" pitchFamily="18" charset="0"/>
+            </a:endParaRPr>
+          </a:p>
+          <a:p>
+            <a:r>
+              <a:rPr lang="ru-RU" sz="2800" dirty="0" smtClean="0">
+                <a:solidFill>
+                  <a:schemeClr val="bg1"/>
+                </a:solidFill>
+                <a:latin typeface="Times New Roman" panose="02020603050405020304" pitchFamily="18" charset="0"/>
+                <a:cs typeface="Times New Roman" panose="02020603050405020304" pitchFamily="18" charset="0"/>
+              </a:rPr>
+              <a:t>Два </a:t>
+            </a:r>
+            <a:r>
+              <a:rPr lang="ru-RU" sz="2800" dirty="0">
+                <a:solidFill>
+                  <a:schemeClr val="bg1"/>
+                </a:solidFill>
+                <a:latin typeface="Times New Roman" panose="02020603050405020304" pitchFamily="18" charset="0"/>
+                <a:cs typeface="Times New Roman" panose="02020603050405020304" pitchFamily="18" charset="0"/>
+              </a:rPr>
+              <a:t>цвета </a:t>
+            </a:r>
+            <a:endParaRPr lang="en-US" sz="2800" dirty="0" smtClean="0">
+              <a:solidFill>
+                <a:schemeClr val="bg1"/>
+              </a:solidFill>
+              <a:latin typeface="Times New Roman" panose="02020603050405020304" pitchFamily="18" charset="0"/>
+              <a:cs typeface="Times New Roman" panose="02020603050405020304" pitchFamily="18" charset="0"/>
+            </a:endParaRPr>
+          </a:p>
+          <a:p>
+            <a:r>
+              <a:rPr lang="ru-RU" sz="2800" dirty="0" err="1" smtClean="0">
+                <a:solidFill>
+                  <a:schemeClr val="bg1"/>
+                </a:solidFill>
+                <a:latin typeface="Times New Roman" panose="02020603050405020304" pitchFamily="18" charset="0"/>
+                <a:cs typeface="Times New Roman" panose="02020603050405020304" pitchFamily="18" charset="0"/>
+              </a:rPr>
+              <a:t>Стиралка</a:t>
+            </a:r>
+            <a:r>
+              <a:rPr lang="ru-RU" sz="2800" dirty="0" smtClean="0">
+                <a:solidFill>
+                  <a:schemeClr val="bg1"/>
+                </a:solidFill>
+                <a:latin typeface="Times New Roman" panose="02020603050405020304" pitchFamily="18" charset="0"/>
+                <a:cs typeface="Times New Roman" panose="02020603050405020304" pitchFamily="18" charset="0"/>
+              </a:rPr>
+              <a:t> </a:t>
+            </a:r>
+            <a:endParaRPr lang="en-US" sz="2800" dirty="0" smtClean="0">
+              <a:solidFill>
+                <a:schemeClr val="bg1"/>
+              </a:solidFill>
+              <a:latin typeface="Times New Roman" panose="02020603050405020304" pitchFamily="18" charset="0"/>
+              <a:cs typeface="Times New Roman" panose="02020603050405020304" pitchFamily="18" charset="0"/>
+            </a:endParaRPr>
+          </a:p>
+          <a:p>
+            <a:r>
+              <a:rPr lang="ru-RU" sz="2800" dirty="0" smtClean="0">
+                <a:solidFill>
+                  <a:schemeClr val="bg1"/>
+                </a:solidFill>
+                <a:latin typeface="Times New Roman" panose="02020603050405020304" pitchFamily="18" charset="0"/>
+                <a:cs typeface="Times New Roman" panose="02020603050405020304" pitchFamily="18" charset="0"/>
+              </a:rPr>
+              <a:t>Заливка </a:t>
+            </a:r>
+            <a:endParaRPr lang="en-US" sz="2800" dirty="0" smtClean="0">
+              <a:solidFill>
+                <a:schemeClr val="bg1"/>
+              </a:solidFill>
+              <a:latin typeface="Times New Roman" panose="02020603050405020304" pitchFamily="18" charset="0"/>
+              <a:cs typeface="Times New Roman" panose="02020603050405020304" pitchFamily="18" charset="0"/>
+            </a:endParaRPr>
+          </a:p>
+          <a:p>
+            <a:r>
+              <a:rPr lang="ru-RU" sz="2800" dirty="0" smtClean="0">
+                <a:solidFill>
+                  <a:schemeClr val="bg1"/>
+                </a:solidFill>
+                <a:latin typeface="Times New Roman" panose="02020603050405020304" pitchFamily="18" charset="0"/>
+                <a:cs typeface="Times New Roman" panose="02020603050405020304" pitchFamily="18" charset="0"/>
+              </a:rPr>
+              <a:t>Возможность </a:t>
+            </a:r>
+            <a:r>
+              <a:rPr lang="ru-RU" sz="2800" dirty="0">
+                <a:solidFill>
+                  <a:schemeClr val="bg1"/>
+                </a:solidFill>
+                <a:latin typeface="Times New Roman" panose="02020603050405020304" pitchFamily="18" charset="0"/>
+                <a:cs typeface="Times New Roman" panose="02020603050405020304" pitchFamily="18" charset="0"/>
+              </a:rPr>
+              <a:t>сохранять изображение - Возможность Очищать поле с картинкой</a:t>
+            </a:r>
+            <a:endParaRPr lang="en-US" sz="2800" dirty="0">
+              <a:solidFill>
+                <a:schemeClr val="bg1"/>
+              </a:solidFill>
+              <a:latin typeface="Times New Roman" panose="02020603050405020304" pitchFamily="18" charset="0"/>
+              <a:cs typeface="Times New Roman" panose="02020603050405020304" pitchFamily="18" charset="0"/>
+            </a:endParaRPr>
+          </a:p>
+          <a:p>
+            <a:pPr marL="0" indent="0">
+              <a:buNone/>
+            </a:pPr>
+            <a:r>
+              <a:rPr lang="ru-RU" sz="2800" dirty="0" smtClean="0">
+                <a:solidFill>
+                  <a:schemeClr val="bg1"/>
+                </a:solidFill>
+                <a:latin typeface="Times New Roman" panose="02020603050405020304" pitchFamily="18" charset="0"/>
+                <a:cs typeface="Times New Roman" panose="02020603050405020304" pitchFamily="18" charset="0"/>
+              </a:rPr>
+              <a:t>Однако</a:t>
+            </a:r>
+            <a:r>
+              <a:rPr lang="ru-RU" sz="2800" dirty="0" smtClean="0">
+                <a:solidFill>
+                  <a:schemeClr val="bg1"/>
+                </a:solidFill>
+                <a:latin typeface="Times New Roman" panose="02020603050405020304" pitchFamily="18" charset="0"/>
+                <a:cs typeface="Times New Roman" panose="02020603050405020304" pitchFamily="18" charset="0"/>
+              </a:rPr>
+              <a:t>, </a:t>
+            </a:r>
+            <a:r>
+              <a:rPr lang="ru-RU" sz="2800" dirty="0">
+                <a:solidFill>
+                  <a:schemeClr val="bg1"/>
+                </a:solidFill>
+                <a:latin typeface="Times New Roman" panose="02020603050405020304" pitchFamily="18" charset="0"/>
+                <a:cs typeface="Times New Roman" panose="02020603050405020304" pitchFamily="18" charset="0"/>
+              </a:rPr>
+              <a:t>в</a:t>
+            </a:r>
+            <a:r>
+              <a:rPr lang="ru-RU" sz="2800" dirty="0" smtClean="0">
+                <a:solidFill>
+                  <a:schemeClr val="bg1"/>
+                </a:solidFill>
+                <a:latin typeface="Times New Roman" panose="02020603050405020304" pitchFamily="18" charset="0"/>
+                <a:cs typeface="Times New Roman" panose="02020603050405020304" pitchFamily="18" charset="0"/>
+              </a:rPr>
+              <a:t> данном проекте осталось недоработанным</a:t>
+            </a:r>
+            <a:r>
+              <a:rPr lang="en-US" sz="2800" dirty="0" smtClean="0">
+                <a:solidFill>
+                  <a:schemeClr val="bg1"/>
+                </a:solidFill>
+                <a:latin typeface="Times New Roman" panose="02020603050405020304" pitchFamily="18" charset="0"/>
+                <a:cs typeface="Times New Roman" panose="02020603050405020304" pitchFamily="18" charset="0"/>
+              </a:rPr>
+              <a:t>:</a:t>
+            </a:r>
+          </a:p>
+          <a:p>
+            <a:r>
+              <a:rPr lang="ru-RU" sz="2800" dirty="0">
+                <a:solidFill>
+                  <a:schemeClr val="bg1"/>
+                </a:solidFill>
+                <a:latin typeface="Times New Roman" panose="02020603050405020304" pitchFamily="18" charset="0"/>
+                <a:cs typeface="Times New Roman" panose="02020603050405020304" pitchFamily="18" charset="0"/>
+              </a:rPr>
+              <a:t>Копирование </a:t>
+            </a:r>
+            <a:r>
+              <a:rPr lang="ru-RU" sz="2800" dirty="0" smtClean="0">
+                <a:solidFill>
+                  <a:schemeClr val="bg1"/>
+                </a:solidFill>
+                <a:latin typeface="Times New Roman" panose="02020603050405020304" pitchFamily="18" charset="0"/>
+                <a:cs typeface="Times New Roman" panose="02020603050405020304" pitchFamily="18" charset="0"/>
+              </a:rPr>
+              <a:t>последнего действия </a:t>
+            </a:r>
+            <a:r>
+              <a:rPr lang="en-US" sz="2800" dirty="0" smtClean="0">
+                <a:solidFill>
+                  <a:schemeClr val="bg1"/>
+                </a:solidFill>
+                <a:latin typeface="Times New Roman" panose="02020603050405020304" pitchFamily="18" charset="0"/>
+                <a:cs typeface="Times New Roman" panose="02020603050405020304" pitchFamily="18" charset="0"/>
+              </a:rPr>
+              <a:t>–</a:t>
+            </a:r>
+            <a:r>
+              <a:rPr lang="ru-RU" sz="2800" dirty="0" smtClean="0">
+                <a:solidFill>
+                  <a:schemeClr val="bg1"/>
+                </a:solidFill>
+                <a:latin typeface="Times New Roman" panose="02020603050405020304" pitchFamily="18" charset="0"/>
+                <a:cs typeface="Times New Roman" panose="02020603050405020304" pitchFamily="18" charset="0"/>
+              </a:rPr>
+              <a:t> Возможность неограниченное количество раз дополнять холст зафиксированной структурой (текстом</a:t>
+            </a:r>
+            <a:r>
+              <a:rPr lang="en-US" sz="2800" dirty="0" smtClean="0">
+                <a:solidFill>
+                  <a:schemeClr val="bg1"/>
+                </a:solidFill>
+                <a:latin typeface="Times New Roman" panose="02020603050405020304" pitchFamily="18" charset="0"/>
+                <a:cs typeface="Times New Roman" panose="02020603050405020304" pitchFamily="18" charset="0"/>
+              </a:rPr>
+              <a:t>,</a:t>
+            </a:r>
+            <a:r>
+              <a:rPr lang="ru-RU" sz="2800" dirty="0" smtClean="0">
+                <a:solidFill>
+                  <a:schemeClr val="bg1"/>
+                </a:solidFill>
+                <a:latin typeface="Times New Roman" panose="02020603050405020304" pitchFamily="18" charset="0"/>
+                <a:cs typeface="Times New Roman" panose="02020603050405020304" pitchFamily="18" charset="0"/>
+              </a:rPr>
+              <a:t> фигурой</a:t>
+            </a:r>
+            <a:r>
+              <a:rPr lang="en-US" sz="2800" dirty="0" smtClean="0">
+                <a:solidFill>
+                  <a:schemeClr val="bg1"/>
+                </a:solidFill>
+                <a:latin typeface="Times New Roman" panose="02020603050405020304" pitchFamily="18" charset="0"/>
+                <a:cs typeface="Times New Roman" panose="02020603050405020304" pitchFamily="18" charset="0"/>
+              </a:rPr>
+              <a:t>)</a:t>
             </a:r>
             <a:endParaRPr lang="ru-RU" sz="2800" dirty="0" smtClean="0">
               <a:solidFill>
                 <a:schemeClr val="bg1"/>
               </a:solidFill>
+              <a:latin typeface="Times New Roman" panose="02020603050405020304" pitchFamily="18" charset="0"/>
+              <a:cs typeface="Times New Roman" panose="02020603050405020304" pitchFamily="18" charset="0"/>
             </a:endParaRPr>
           </a:p>
           <a:p>
-            <a:pPr marL="0" indent="0">
-              <a:buNone/>
-            </a:pPr>
             <a:r>
               <a:rPr lang="ru-RU" sz="2800" dirty="0" smtClean="0">
                 <a:solidFill>
                   <a:schemeClr val="bg1"/>
                 </a:solidFill>
+                <a:latin typeface="Times New Roman" panose="02020603050405020304" pitchFamily="18" charset="0"/>
+                <a:cs typeface="Times New Roman" panose="02020603050405020304" pitchFamily="18" charset="0"/>
               </a:rPr>
-              <a:t>Однако, </a:t>
+              <a:t>Реализовать </a:t>
             </a:r>
             <a:r>
               <a:rPr lang="ru-RU" sz="2800" dirty="0">
                 <a:solidFill>
                   <a:schemeClr val="bg1"/>
                 </a:solidFill>
+                <a:latin typeface="Times New Roman" panose="02020603050405020304" pitchFamily="18" charset="0"/>
+                <a:cs typeface="Times New Roman" panose="02020603050405020304" pitchFamily="18" charset="0"/>
               </a:rPr>
-              <a:t>в</a:t>
+              <a:t>отмену действия </a:t>
             </a:r>
             <a:r>
               <a:rPr lang="ru-RU" sz="2800" dirty="0" smtClean="0">
                 <a:solidFill>
                   <a:schemeClr val="bg1"/>
                 </a:solidFill>
+                <a:latin typeface="Times New Roman" panose="02020603050405020304" pitchFamily="18" charset="0"/>
+                <a:cs typeface="Times New Roman" panose="02020603050405020304" pitchFamily="18" charset="0"/>
+              </a:rPr>
+              <a:t>- Возможность отменять последние изменения на холсте</a:t>
+            </a:r>
+            <a:r>
+              <a:rPr lang="en-US" sz="2800" dirty="0" smtClean="0">
+                <a:solidFill>
+                  <a:schemeClr val="bg1"/>
+                </a:solidFill>
+                <a:latin typeface="Times New Roman" panose="02020603050405020304" pitchFamily="18" charset="0"/>
+                <a:cs typeface="Times New Roman" panose="02020603050405020304" pitchFamily="18" charset="0"/>
+              </a:rPr>
+              <a:t>.</a:t>
+            </a:r>
+          </a:p>
+          <a:p>
+            <a:r>
+              <a:rPr lang="ru-RU" sz="2800" dirty="0" smtClean="0">
+                <a:solidFill>
+                  <a:schemeClr val="bg1"/>
+                </a:solidFill>
+                <a:latin typeface="Times New Roman" panose="02020603050405020304" pitchFamily="18" charset="0"/>
+                <a:cs typeface="Times New Roman" panose="02020603050405020304" pitchFamily="18" charset="0"/>
+              </a:rPr>
+              <a:t>Ошибка </a:t>
+            </a:r>
+            <a:r>
+              <a:rPr lang="ru-RU" sz="2800" dirty="0">
+                <a:solidFill>
+                  <a:schemeClr val="bg1"/>
+                </a:solidFill>
+                <a:latin typeface="Times New Roman" panose="02020603050405020304" pitchFamily="18" charset="0"/>
+                <a:cs typeface="Times New Roman" panose="02020603050405020304" pitchFamily="18" charset="0"/>
+              </a:rPr>
+              <a:t>с растяжением </a:t>
+            </a:r>
+            <a:r>
+              <a:rPr lang="ru-RU" sz="2800" dirty="0" smtClean="0">
+                <a:solidFill>
+                  <a:schemeClr val="bg1"/>
+                </a:solidFill>
+                <a:latin typeface="Times New Roman" panose="02020603050405020304" pitchFamily="18" charset="0"/>
+                <a:cs typeface="Times New Roman" panose="02020603050405020304" pitchFamily="18" charset="0"/>
+              </a:rPr>
+              <a:t>экрана- При растяжении окна программы</a:t>
+            </a:r>
+            <a:r>
+              <a:rPr lang="en-US" sz="2800" dirty="0" smtClean="0">
+                <a:solidFill>
+                  <a:schemeClr val="bg1"/>
+                </a:solidFill>
+                <a:latin typeface="Times New Roman" panose="02020603050405020304" pitchFamily="18" charset="0"/>
+                <a:cs typeface="Times New Roman" panose="02020603050405020304" pitchFamily="18" charset="0"/>
+              </a:rPr>
+              <a:t>,</a:t>
+            </a:r>
+            <a:r>
+              <a:rPr lang="ru-RU" sz="2800" dirty="0">
+                <a:solidFill>
+                  <a:schemeClr val="bg1"/>
+                </a:solidFill>
+                <a:latin typeface="Times New Roman" panose="02020603050405020304" pitchFamily="18" charset="0"/>
+                <a:cs typeface="Times New Roman" panose="02020603050405020304" pitchFamily="18" charset="0"/>
               </a:rPr>
               <a:t> </a:t>
             </a:r>
@@ -14025,203 +14638,40 @@
                 <a:solidFill>
                   <a:schemeClr val="bg1"/>
                 </a:solidFill>
+                <a:latin typeface="Times New Roman" panose="02020603050405020304" pitchFamily="18" charset="0"/>
+                <a:cs typeface="Times New Roman" panose="02020603050405020304" pitchFamily="18" charset="0"/>
               </a:rPr>
-              <a:t>данном проекте осталось недоработанным</a:t>
+              <a:t>Теряется синхронизация между курсором и последней точкой рисунка</a:t>
             </a:r>
             <a:r>
               <a:rPr lang="en-US" sz="2800" dirty="0" smtClean="0">
                 <a:solidFill>
                   <a:schemeClr val="bg1"/>
                 </a:solidFill>
+                <a:latin typeface="Times New Roman" panose="02020603050405020304" pitchFamily="18" charset="0"/>
+                <a:cs typeface="Times New Roman" panose="02020603050405020304" pitchFamily="18" charset="0"/>
               </a:rPr>
-              <a:t>:</a:t>
-            </a:r>
-          </a:p>
-          <a:p>
-            <a:r>
-              <a:rPr lang="ru-RU" sz="2800" dirty="0">
-                <a:solidFill>
-                  <a:schemeClr val="bg1"/>
-                </a:solidFill>
-              </a:rPr>
-              <a:t>Копирование </a:t>
-            </a:r>
-            <a:r>
-              <a:rPr lang="ru-RU" sz="2800" dirty="0" smtClean="0">
-                <a:solidFill>
-                  <a:schemeClr val="bg1"/>
-                </a:solidFill>
-              </a:rPr>
-              <a:t>последнего действия </a:t>
-            </a:r>
-            <a:r>
-              <a:rPr lang="en-US" sz="2800" dirty="0" smtClean="0">
-                <a:solidFill>
-                  <a:schemeClr val="bg1"/>
-                </a:solidFill>
-              </a:rPr>
-              <a:t>–</a:t>
-            </a:r>
-            <a:r>
-              <a:rPr lang="ru-RU" sz="2800" dirty="0" smtClean="0">
-                <a:solidFill>
-                  <a:schemeClr val="bg1"/>
-                </a:solidFill>
-              </a:rPr>
-              <a:t> Возможность </a:t>
-            </a:r>
-            <a:r>
-              <a:rPr lang="ru-RU" sz="2800" dirty="0" smtClean="0">
-                <a:solidFill>
-                  <a:schemeClr val="bg1"/>
-                </a:solidFill>
-              </a:rPr>
-              <a:t>неограниченное количество раз дополнять холст зафиксированной структурой (текстом</a:t>
-            </a:r>
-            <a:r>
-              <a:rPr lang="en-US" sz="2800" dirty="0" smtClean="0">
-                <a:solidFill>
-                  <a:schemeClr val="bg1"/>
-                </a:solidFill>
-              </a:rPr>
-              <a:t>,</a:t>
-            </a:r>
-            <a:r>
-              <a:rPr lang="ru-RU" sz="2800" dirty="0" smtClean="0">
-                <a:solidFill>
-                  <a:schemeClr val="bg1"/>
-                </a:solidFill>
-              </a:rPr>
-              <a:t> </a:t>
-            </a:r>
-            <a:r>
-              <a:rPr lang="ru-RU" sz="2800" dirty="0" smtClean="0">
-                <a:solidFill>
-                  <a:schemeClr val="bg1"/>
-                </a:solidFill>
-              </a:rPr>
-              <a:t>фигурой</a:t>
-            </a:r>
-            <a:r>
-              <a:rPr lang="en-US" sz="2800" dirty="0" smtClean="0">
-                <a:solidFill>
-                  <a:schemeClr val="bg1"/>
-                </a:solidFill>
-              </a:rPr>
-              <a:t>)</a:t>
+              <a:t>.</a:t>
             </a:r>
             <a:endParaRPr lang="ru-RU" sz="2800" dirty="0" smtClean="0">
               <a:solidFill>
                 <a:schemeClr val="bg1"/>
               </a:solidFill>
+              <a:latin typeface="Times New Roman" panose="02020603050405020304" pitchFamily="18" charset="0"/>
+              <a:cs typeface="Times New Roman" panose="02020603050405020304" pitchFamily="18" charset="0"/>
             </a:endParaRPr>
           </a:p>
           <a:p>
+            <a:pPr marL="0" indent="0">
+              <a:buNone/>
+            </a:pPr>
             <a:r>
               <a:rPr lang="ru-RU" sz="2800" dirty="0" smtClean="0">
                 <a:solidFill>
                   <a:schemeClr val="bg1"/>
                 </a:solidFill>
-              </a:rPr>
-              <a:t>Реализовать </a:t>
-            </a:r>
-            <a:r>
-              <a:rPr lang="ru-RU" sz="2800" dirty="0">
-                <a:solidFill>
-                  <a:schemeClr val="bg1"/>
-                </a:solidFill>
-              </a:rPr>
-              <a:t>отмену действия </a:t>
-            </a:r>
-            <a:r>
-              <a:rPr lang="ru-RU" sz="2800" dirty="0" smtClean="0">
-                <a:solidFill>
-                  <a:schemeClr val="bg1"/>
-                </a:solidFill>
-              </a:rPr>
-              <a:t>- Возможность отменять последние изменения на холсте</a:t>
-            </a:r>
-            <a:r>
-              <a:rPr lang="en-US" sz="2800" dirty="0" smtClean="0">
-                <a:solidFill>
-                  <a:schemeClr val="bg1"/>
-                </a:solidFill>
-              </a:rPr>
-              <a:t>.</a:t>
-            </a:r>
-          </a:p>
-          <a:p>
-            <a:r>
-              <a:rPr lang="ru-RU" sz="2800" dirty="0" smtClean="0">
-                <a:solidFill>
-                  <a:schemeClr val="bg1"/>
-                </a:solidFill>
-              </a:rPr>
-              <a:t>Ошибка </a:t>
-            </a:r>
-            <a:r>
-              <a:rPr lang="ru-RU" sz="2800" dirty="0">
-                <a:solidFill>
-                  <a:schemeClr val="bg1"/>
-                </a:solidFill>
-              </a:rPr>
-              <a:t>с растяжением </a:t>
-            </a:r>
-            <a:r>
-              <a:rPr lang="ru-RU" sz="2800" dirty="0" smtClean="0">
-                <a:solidFill>
-                  <a:schemeClr val="bg1"/>
-                </a:solidFill>
-              </a:rPr>
-              <a:t>экрана- При растяжении окна программы</a:t>
-            </a:r>
-            <a:r>
-              <a:rPr lang="en-US" sz="2800" dirty="0" smtClean="0">
-                <a:solidFill>
-                  <a:schemeClr val="bg1"/>
-                </a:solidFill>
-              </a:rPr>
-              <a:t>,</a:t>
-            </a:r>
-            <a:r>
-              <a:rPr lang="ru-RU" sz="2800" dirty="0">
-                <a:solidFill>
-                  <a:schemeClr val="bg1"/>
-                </a:solidFill>
-              </a:rPr>
-              <a:t> </a:t>
-            </a:r>
-            <a:r>
-              <a:rPr lang="ru-RU" sz="2800" dirty="0" smtClean="0">
-                <a:solidFill>
-                  <a:schemeClr val="bg1"/>
-                </a:solidFill>
-              </a:rPr>
-              <a:t>Теряется синхронизация между курсором и последней точкой рисунка</a:t>
-            </a:r>
-            <a:r>
-              <a:rPr lang="en-US" sz="2800" dirty="0" smtClean="0">
-                <a:solidFill>
-                  <a:schemeClr val="bg1"/>
-                </a:solidFill>
-              </a:rPr>
-              <a:t>.</a:t>
-            </a:r>
-            <a:endParaRPr lang="ru-RU" sz="2800" dirty="0" smtClean="0">
-              <a:solidFill>
-                <a:schemeClr val="bg1"/>
-              </a:solidFill>
-            </a:endParaRPr>
-          </a:p>
-          <a:p>
-            <a:pPr marL="0" indent="0">
-              <a:buNone/>
-            </a:pPr>
-            <a:r>
-              <a:rPr lang="ru-RU" sz="2800" dirty="0" smtClean="0">
-                <a:solidFill>
-                  <a:schemeClr val="bg1"/>
-                </a:solidFill>
+                <a:latin typeface="Times New Roman" panose="02020603050405020304" pitchFamily="18" charset="0"/>
+                <a:cs typeface="Times New Roman" panose="02020603050405020304" pitchFamily="18" charset="0"/>
               </a:rPr>
               <a:t>В дальнейшем эти ошибки будут исправлены и дополнять код программы</a:t>
             </a:r>
@@ -14230,6 +14680,8 @@
                 <a:solidFill>
                   <a:schemeClr val="bg1"/>
                 </a:solidFill>
+                <a:latin typeface="Times New Roman" panose="02020603050405020304" pitchFamily="18" charset="0"/>
+                <a:cs typeface="Times New Roman" panose="02020603050405020304" pitchFamily="18" charset="0"/>
               </a:rPr>
               <a:t>.</a:t>
             </a:r>
@@ -14237,6 +14689,8 @@
               <a:solidFill>
                 <a:schemeClr val="bg1"/>
               </a:solidFill>
+              <a:latin typeface="Times New Roman" panose="02020603050405020304" pitchFamily="18" charset="0"/>
+              <a:cs typeface="Times New Roman" panose="02020603050405020304" pitchFamily="18" charset="0"/>
             </a:endParaRPr>
           </a:p>
         </p:txBody>
@@ -14251,6 +14705,13 @@
   <p:clrMapOvr>
     <a:masterClrMapping/>
   </p:clrMapOvr>
+  <p:timing>
+    <p:tnLst>
+      <p:par>
+        <p:cTn id="1" dur="indefinite" restart="never" nodeType="tmRoot"/>
+      </p:par>
+    </p:tnLst>
+  </p:timing>
 </p:sld>
 </file>
 
@@ -14499,7 +14960,7 @@
   <a:extraClrSchemeLst/>
   <a:extLst>
     <a:ext uri="{05A4C25C-085E-4340-85A3-A5531E510DB2}">
-      <thm15:themeFamily xmlns="" xmlns:thm15="http://schemas.microsoft.com/office/thememl/2012/main" name="Circuit" id="{0AC2F7E7-15F5-431C-B2A2-456FE929F56C}" vid="{0911B802-464C-4241-8DD9-B60FF88E379F}"/>
+      <thm15:themeFamily xmlns:thm15="http://schemas.microsoft.com/office/thememl/2012/main" name="Circuit" id="{0AC2F7E7-15F5-431C-B2A2-456FE929F56C}" vid="{0911B802-464C-4241-8DD9-B60FF88E379F}"/>
     </a:ext>
   </a:extLst>
 </a:theme>
